--- a/math/Hakoniwa-time.pptx
+++ b/math/Hakoniwa-time.pptx
@@ -8460,8 +8460,8 @@
         </p:nvSpPr>
         <p:spPr>
           <a:xfrm>
-            <a:off x="609600" y="746549"/>
-            <a:ext cx="10972800" cy="3186508"/>
+            <a:off x="551384" y="758653"/>
+            <a:ext cx="10972800" cy="1302195"/>
           </a:xfrm>
         </p:spPr>
         <p:txBody>
@@ -8469,25 +8469,25 @@
           <a:lstStyle/>
           <a:p>
             <a:r>
-              <a:rPr kumimoji="1" lang="ja-JP" altLang="en-US"/>
+              <a:rPr kumimoji="1" lang="ja-JP" altLang="en-US" sz="2400"/>
               <a:t>箱庭時刻同期の定義：</a:t>
             </a:r>
-            <a:endParaRPr kumimoji="1" lang="en-US" altLang="ja-JP" dirty="0"/>
+            <a:endParaRPr kumimoji="1" lang="en-US" altLang="ja-JP" sz="2400" dirty="0"/>
           </a:p>
           <a:p>
             <a:pPr lvl="1"/>
             <a:r>
-              <a:rPr kumimoji="1" lang="ja-JP" altLang="en-US"/>
+              <a:rPr kumimoji="1" lang="ja-JP" altLang="en-US" sz="2000"/>
               <a:t>箱庭アセットの全ての時刻が、最大許容時間範囲内で時間のズレがないこと</a:t>
             </a:r>
-            <a:endParaRPr lang="en-US" altLang="ja-JP" dirty="0"/>
-          </a:p>
-          <a:p>
-            <a:r>
-              <a:rPr kumimoji="1" lang="ja-JP" altLang="en-US"/>
+            <a:endParaRPr lang="en-US" altLang="ja-JP" sz="2000" dirty="0"/>
+          </a:p>
+          <a:p>
+            <a:r>
+              <a:rPr kumimoji="1" lang="ja-JP" altLang="en-US" sz="2400"/>
               <a:t>数式で表すと：</a:t>
             </a:r>
-            <a:endParaRPr kumimoji="1" lang="en-US" altLang="ja-JP" dirty="0"/>
+            <a:endParaRPr kumimoji="1" lang="en-US" altLang="ja-JP" sz="2400" dirty="0"/>
           </a:p>
         </p:txBody>
       </p:sp>
@@ -8577,9 +8577,9 @@
         <p:grpSpPr>
           <a:xfrm>
             <a:off x="911424" y="3356992"/>
-            <a:ext cx="10999464" cy="2932064"/>
+            <a:ext cx="10999464" cy="2939054"/>
             <a:chOff x="911424" y="3683559"/>
-            <a:chExt cx="10999464" cy="2932064"/>
+            <a:chExt cx="10999464" cy="2939054"/>
           </a:xfrm>
         </p:grpSpPr>
         <p:sp>
@@ -8808,8 +8808,8 @@
           </p:nvSpPr>
           <p:spPr>
             <a:xfrm>
-              <a:off x="1199456" y="6145559"/>
-              <a:ext cx="723275" cy="307777"/>
+              <a:off x="954031" y="6145559"/>
+              <a:ext cx="1021433" cy="477054"/>
             </a:xfrm>
             <a:prstGeom prst="rect">
               <a:avLst/>
@@ -8822,10 +8822,28 @@
             </a:bodyPr>
             <a:lstStyle/>
             <a:p>
+              <a:pPr algn="ctr"/>
               <a:r>
                 <a:rPr kumimoji="1" lang="ja-JP" altLang="en-US" sz="1400"/>
                 <a:t>保存則</a:t>
               </a:r>
+              <a:endParaRPr kumimoji="1" lang="en-US" altLang="ja-JP" sz="1400"/>
+            </a:p>
+            <a:p>
+              <a:pPr algn="ctr"/>
+              <a:r>
+                <a:rPr lang="en-US" altLang="ja-JP" sz="1100"/>
+                <a:t>(</a:t>
+              </a:r>
+              <a:r>
+                <a:rPr lang="ja-JP" altLang="en-US" sz="1100"/>
+                <a:t>任意の時刻</a:t>
+              </a:r>
+              <a:r>
+                <a:rPr lang="en-US" altLang="ja-JP" sz="1100"/>
+                <a:t>t)</a:t>
+              </a:r>
+              <a:endParaRPr kumimoji="1" lang="ja-JP" altLang="en-US" sz="1100"/>
             </a:p>
           </p:txBody>
         </p:sp>
@@ -8942,7 +8960,7 @@
           <p:spPr>
             <a:xfrm>
               <a:off x="6744072" y="5085184"/>
-              <a:ext cx="4683185" cy="848275"/>
+              <a:ext cx="5106401" cy="924933"/>
             </a:xfrm>
             <a:prstGeom prst="rect">
               <a:avLst/>
@@ -9482,7 +9500,7 @@
         <p:spPr>
           <a:xfrm>
             <a:off x="1895011" y="1445567"/>
-            <a:ext cx="8744702" cy="830997"/>
+            <a:ext cx="10015877" cy="1200329"/>
           </a:xfrm>
           <a:prstGeom prst="rect">
             <a:avLst/>
@@ -9490,7 +9508,7 @@
           <a:noFill/>
         </p:spPr>
         <p:txBody>
-          <a:bodyPr wrap="none" rtlCol="0">
+          <a:bodyPr wrap="square" rtlCol="0">
             <a:spAutoFit/>
           </a:bodyPr>
           <a:lstStyle/>
@@ -9500,20 +9518,36 @@
                 <a:latin typeface="Meiryo UI" panose="020B0604030504040204" pitchFamily="34" charset="-128"/>
                 <a:ea typeface="Meiryo UI" panose="020B0604030504040204" pitchFamily="34" charset="-128"/>
               </a:rPr>
-              <a:t>コアのシミュレーション時刻は、最も進んだアセット時刻より遅れておらず、</a:t>
-            </a:r>
-            <a:endParaRPr kumimoji="1" lang="en-US" altLang="ja-JP" sz="2400">
-              <a:latin typeface="Meiryo UI" panose="020B0604030504040204" pitchFamily="34" charset="-128"/>
-              <a:ea typeface="Meiryo UI" panose="020B0604030504040204" pitchFamily="34" charset="-128"/>
-            </a:endParaRPr>
-          </a:p>
-          <a:p>
+              <a:t>任意のウォール時刻</a:t>
+            </a:r>
+            <a:r>
+              <a:rPr kumimoji="1" lang="en-US" altLang="ja-JP" sz="2400">
+                <a:latin typeface="Meiryo UI" panose="020B0604030504040204" pitchFamily="34" charset="-128"/>
+                <a:ea typeface="Meiryo UI" panose="020B0604030504040204" pitchFamily="34" charset="-128"/>
+              </a:rPr>
+              <a:t> </a:t>
+            </a:r>
+            <a:r>
+              <a:rPr kumimoji="1" lang="en-US" altLang="ja-JP" sz="2400" i="1">
+                <a:latin typeface="Times New Roman" panose="02020603050405020304" pitchFamily="18" charset="0"/>
+                <a:ea typeface="Meiryo UI" panose="020B0604030504040204" pitchFamily="34" charset="-128"/>
+                <a:cs typeface="Times New Roman" panose="02020603050405020304" pitchFamily="18" charset="0"/>
+              </a:rPr>
+              <a:t>t</a:t>
+            </a:r>
+            <a:r>
+              <a:rPr kumimoji="1" lang="en-US" altLang="ja-JP" sz="2400">
+                <a:latin typeface="Meiryo UI" panose="020B0604030504040204" pitchFamily="34" charset="-128"/>
+                <a:ea typeface="Meiryo UI" panose="020B0604030504040204" pitchFamily="34" charset="-128"/>
+              </a:rPr>
+              <a:t> </a:t>
+            </a:r>
             <a:r>
               <a:rPr kumimoji="1" lang="ja-JP" altLang="en-US" sz="2400">
                 <a:latin typeface="Meiryo UI" panose="020B0604030504040204" pitchFamily="34" charset="-128"/>
                 <a:ea typeface="Meiryo UI" panose="020B0604030504040204" pitchFamily="34" charset="-128"/>
               </a:rPr>
-              <a:t>最も遅れたアセット時刻より最大許容遅延時間を超えて進んでいない。</a:t>
+              <a:t>において、コアのシミュレーション時刻は、最も進んだアセット時刻より遅れておらず、最も遅れたアセット時刻より最大許容遅延時間を超えて進んでいない。</a:t>
             </a:r>
           </a:p>
         </p:txBody>
@@ -9648,6 +9682,42 @@
           </a:bodyPr>
           <a:lstStyle/>
           <a:p>
+            <a:r>
+              <a:rPr kumimoji="1" lang="ja-JP" altLang="en-US" sz="2400">
+                <a:latin typeface="Meiryo UI" panose="020B0604030504040204" pitchFamily="34" charset="-128"/>
+                <a:ea typeface="Meiryo UI" panose="020B0604030504040204" pitchFamily="34" charset="-128"/>
+              </a:rPr>
+              <a:t>任意のウォール時刻</a:t>
+            </a:r>
+            <a:r>
+              <a:rPr kumimoji="1" lang="en-US" altLang="ja-JP" sz="2400">
+                <a:latin typeface="Meiryo UI" panose="020B0604030504040204" pitchFamily="34" charset="-128"/>
+                <a:ea typeface="Meiryo UI" panose="020B0604030504040204" pitchFamily="34" charset="-128"/>
+              </a:rPr>
+              <a:t> </a:t>
+            </a:r>
+            <a:r>
+              <a:rPr kumimoji="1" lang="en-US" altLang="ja-JP" sz="2400" i="1">
+                <a:latin typeface="Times New Roman" panose="02020603050405020304" pitchFamily="18" charset="0"/>
+                <a:ea typeface="Meiryo UI" panose="020B0604030504040204" pitchFamily="34" charset="-128"/>
+                <a:cs typeface="Times New Roman" panose="02020603050405020304" pitchFamily="18" charset="0"/>
+              </a:rPr>
+              <a:t>t</a:t>
+            </a:r>
+            <a:r>
+              <a:rPr kumimoji="1" lang="en-US" altLang="ja-JP" sz="2400">
+                <a:latin typeface="Meiryo UI" panose="020B0604030504040204" pitchFamily="34" charset="-128"/>
+                <a:ea typeface="Meiryo UI" panose="020B0604030504040204" pitchFamily="34" charset="-128"/>
+              </a:rPr>
+              <a:t> </a:t>
+            </a:r>
+            <a:r>
+              <a:rPr kumimoji="1" lang="ja-JP" altLang="en-US" sz="2400">
+                <a:latin typeface="Meiryo UI" panose="020B0604030504040204" pitchFamily="34" charset="-128"/>
+                <a:ea typeface="Meiryo UI" panose="020B0604030504040204" pitchFamily="34" charset="-128"/>
+              </a:rPr>
+              <a:t>において、</a:t>
+            </a:r>
             <a:r>
               <a:rPr lang="ja-JP" altLang="en-US" sz="2400" b="0" i="0">
                 <a:solidFill>
@@ -12988,7 +13058,7 @@
         </p:blipFill>
         <p:spPr>
           <a:xfrm>
-            <a:off x="695400" y="836712"/>
+            <a:off x="994042" y="836712"/>
             <a:ext cx="9926494" cy="5876622"/>
           </a:xfrm>
         </p:spPr>

--- a/math/Hakoniwa-time.pptx
+++ b/math/Hakoniwa-time.pptx
@@ -6,7 +6,7 @@
     <p:sldMasterId id="2147483815" r:id="rId2"/>
   </p:sldMasterIdLst>
   <p:notesMasterIdLst>
-    <p:notesMasterId r:id="rId17"/>
+    <p:notesMasterId r:id="rId18"/>
   </p:notesMasterIdLst>
   <p:sldIdLst>
     <p:sldId id="256" r:id="rId3"/>
@@ -22,7 +22,8 @@
     <p:sldId id="1357" r:id="rId13"/>
     <p:sldId id="1355" r:id="rId14"/>
     <p:sldId id="1350" r:id="rId15"/>
-    <p:sldId id="1356" r:id="rId16"/>
+    <p:sldId id="1358" r:id="rId16"/>
+    <p:sldId id="1356" r:id="rId17"/>
   </p:sldIdLst>
   <p:sldSz cx="12192000" cy="6858000"/>
   <p:notesSz cx="6797675" cy="9926638"/>
@@ -303,7 +304,7 @@
               <a:pPr>
                 <a:defRPr/>
               </a:pPr>
-              <a:t>2024/9/25</a:t>
+              <a:t>2024/9/26</a:t>
             </a:fld>
             <a:endParaRPr lang="ja-JP" altLang="en-US" dirty="0"/>
           </a:p>
@@ -988,7 +989,7 @@
           <a:p>
             <a:fld id="{1733E518-4B2E-46CC-A779-D7A67A1295D7}" type="datetimeFigureOut">
               <a:rPr kumimoji="1" lang="ja-JP" altLang="en-US" smtClean="0"/>
-              <a:t>2024/9/25</a:t>
+              <a:t>2024/9/26</a:t>
             </a:fld>
             <a:endParaRPr kumimoji="1" lang="ja-JP" altLang="en-US"/>
           </a:p>
@@ -1188,7 +1189,7 @@
           <a:p>
             <a:fld id="{1733E518-4B2E-46CC-A779-D7A67A1295D7}" type="datetimeFigureOut">
               <a:rPr kumimoji="1" lang="ja-JP" altLang="en-US" smtClean="0"/>
-              <a:t>2024/9/25</a:t>
+              <a:t>2024/9/26</a:t>
             </a:fld>
             <a:endParaRPr kumimoji="1" lang="ja-JP" altLang="en-US"/>
           </a:p>
@@ -1398,7 +1399,7 @@
           <a:p>
             <a:fld id="{1733E518-4B2E-46CC-A779-D7A67A1295D7}" type="datetimeFigureOut">
               <a:rPr kumimoji="1" lang="ja-JP" altLang="en-US" smtClean="0"/>
-              <a:t>2024/9/25</a:t>
+              <a:t>2024/9/26</a:t>
             </a:fld>
             <a:endParaRPr kumimoji="1" lang="ja-JP" altLang="en-US"/>
           </a:p>
@@ -3802,7 +3803,7 @@
           <a:p>
             <a:fld id="{1733E518-4B2E-46CC-A779-D7A67A1295D7}" type="datetimeFigureOut">
               <a:rPr kumimoji="1" lang="ja-JP" altLang="en-US" smtClean="0"/>
-              <a:t>2024/9/25</a:t>
+              <a:t>2024/9/26</a:t>
             </a:fld>
             <a:endParaRPr kumimoji="1" lang="ja-JP" altLang="en-US"/>
           </a:p>
@@ -5289,7 +5290,7 @@
           <a:p>
             <a:fld id="{1733E518-4B2E-46CC-A779-D7A67A1295D7}" type="datetimeFigureOut">
               <a:rPr kumimoji="1" lang="ja-JP" altLang="en-US" smtClean="0"/>
-              <a:t>2024/9/25</a:t>
+              <a:t>2024/9/26</a:t>
             </a:fld>
             <a:endParaRPr kumimoji="1" lang="ja-JP" altLang="en-US"/>
           </a:p>
@@ -5638,7 +5639,7 @@
           <a:p>
             <a:fld id="{1733E518-4B2E-46CC-A779-D7A67A1295D7}" type="datetimeFigureOut">
               <a:rPr kumimoji="1" lang="ja-JP" altLang="en-US" smtClean="0"/>
-              <a:t>2024/9/25</a:t>
+              <a:t>2024/9/26</a:t>
             </a:fld>
             <a:endParaRPr kumimoji="1" lang="ja-JP" altLang="en-US"/>
           </a:p>
@@ -6121,7 +6122,7 @@
           <a:p>
             <a:fld id="{1733E518-4B2E-46CC-A779-D7A67A1295D7}" type="datetimeFigureOut">
               <a:rPr kumimoji="1" lang="ja-JP" altLang="en-US" smtClean="0"/>
-              <a:t>2024/9/25</a:t>
+              <a:t>2024/9/26</a:t>
             </a:fld>
             <a:endParaRPr kumimoji="1" lang="ja-JP" altLang="en-US"/>
           </a:p>
@@ -6238,7 +6239,7 @@
           <a:p>
             <a:fld id="{1733E518-4B2E-46CC-A779-D7A67A1295D7}" type="datetimeFigureOut">
               <a:rPr kumimoji="1" lang="ja-JP" altLang="en-US" smtClean="0"/>
-              <a:t>2024/9/25</a:t>
+              <a:t>2024/9/26</a:t>
             </a:fld>
             <a:endParaRPr kumimoji="1" lang="ja-JP" altLang="en-US"/>
           </a:p>
@@ -6333,7 +6334,7 @@
           <a:p>
             <a:fld id="{1733E518-4B2E-46CC-A779-D7A67A1295D7}" type="datetimeFigureOut">
               <a:rPr kumimoji="1" lang="ja-JP" altLang="en-US" smtClean="0"/>
-              <a:t>2024/9/25</a:t>
+              <a:t>2024/9/26</a:t>
             </a:fld>
             <a:endParaRPr kumimoji="1" lang="ja-JP" altLang="en-US"/>
           </a:p>
@@ -6640,7 +6641,7 @@
           <a:p>
             <a:fld id="{1733E518-4B2E-46CC-A779-D7A67A1295D7}" type="datetimeFigureOut">
               <a:rPr kumimoji="1" lang="ja-JP" altLang="en-US" smtClean="0"/>
-              <a:t>2024/9/25</a:t>
+              <a:t>2024/9/26</a:t>
             </a:fld>
             <a:endParaRPr kumimoji="1" lang="ja-JP" altLang="en-US"/>
           </a:p>
@@ -6892,7 +6893,7 @@
           <a:p>
             <a:fld id="{1733E518-4B2E-46CC-A779-D7A67A1295D7}" type="datetimeFigureOut">
               <a:rPr kumimoji="1" lang="ja-JP" altLang="en-US" smtClean="0"/>
-              <a:t>2024/9/25</a:t>
+              <a:t>2024/9/26</a:t>
             </a:fld>
             <a:endParaRPr kumimoji="1" lang="ja-JP" altLang="en-US"/>
           </a:p>
@@ -7135,7 +7136,7 @@
           <a:p>
             <a:fld id="{1733E518-4B2E-46CC-A779-D7A67A1295D7}" type="datetimeFigureOut">
               <a:rPr kumimoji="1" lang="ja-JP" altLang="en-US" smtClean="0"/>
-              <a:t>2024/9/25</a:t>
+              <a:t>2024/9/26</a:t>
             </a:fld>
             <a:endParaRPr kumimoji="1" lang="ja-JP" altLang="en-US"/>
           </a:p>
@@ -8328,6 +8329,7 @@
           <a:bodyPr/>
           <a:lstStyle/>
           <a:p>
+            <a:pPr algn="r"/>
             <a:r>
               <a:rPr lang="ja-JP" altLang="en-US"/>
               <a:t>合同会社箱庭ラボ</a:t>
@@ -8335,9 +8337,18 @@
             <a:endParaRPr lang="en-US" altLang="ja-JP" dirty="0"/>
           </a:p>
           <a:p>
+            <a:pPr algn="r"/>
             <a:r>
               <a:rPr kumimoji="1" lang="ja-JP" altLang="en-US"/>
               <a:t>　森崇、平鍋</a:t>
+            </a:r>
+            <a:endParaRPr kumimoji="1" lang="en-US" altLang="ja-JP"/>
+          </a:p>
+          <a:p>
+            <a:pPr algn="r"/>
+            <a:r>
+              <a:rPr lang="en-US" altLang="ja-JP"/>
+              <a:t>2024/9/26</a:t>
             </a:r>
             <a:endParaRPr kumimoji="1" lang="en-US" altLang="ja-JP" dirty="0"/>
           </a:p>
@@ -9817,12 +9828,12 @@
               <a:t>参照： </a:t>
             </a:r>
             <a:r>
-              <a:rPr kumimoji="1" lang="en-US" altLang="ja-JP">
+              <a:rPr kumimoji="1" lang="en-US" altLang="ja-JP" dirty="0">
                 <a:hlinkClick r:id="rId4"/>
               </a:rPr>
               <a:t>https://github.com/toppers/hakoniwa-core-cpp-client/tree/main/math</a:t>
             </a:r>
-            <a:endParaRPr kumimoji="1" lang="en-US" altLang="ja-JP"/>
+            <a:endParaRPr kumimoji="1" lang="en-US" altLang="ja-JP" dirty="0"/>
           </a:p>
         </p:txBody>
       </p:sp>
@@ -12085,9 +12096,8 @@
             <a:avLst/>
           </a:prstGeom>
           <a:solidFill>
-            <a:schemeClr val="accent2">
-              <a:lumMod val="20000"/>
-              <a:lumOff val="80000"/>
+            <a:schemeClr val="bg1">
+              <a:lumMod val="75000"/>
             </a:schemeClr>
           </a:solidFill>
           <a:ln>
@@ -12377,127 +12387,6 @@
                 <a:ea typeface="Meiryo UI" panose="020B0604030504040204" pitchFamily="34" charset="-128"/>
               </a:rPr>
               <a:t>アセット時刻</a:t>
-            </a:r>
-          </a:p>
-        </p:txBody>
-      </p:sp>
-      <p:sp>
-        <p:nvSpPr>
-          <p:cNvPr id="47" name="テキスト ボックス 46">
-            <a:extLst>
-              <a:ext uri="{FF2B5EF4-FFF2-40B4-BE49-F238E27FC236}">
-                <a16:creationId xmlns:a16="http://schemas.microsoft.com/office/drawing/2014/main" id="{2E7EE39B-65B3-0077-4833-DB0C6F9C66F2}"/>
-              </a:ext>
-            </a:extLst>
-          </p:cNvPr>
-          <p:cNvSpPr txBox="1"/>
-          <p:nvPr/>
-        </p:nvSpPr>
-        <p:spPr>
-          <a:xfrm>
-            <a:off x="1300667" y="1897099"/>
-            <a:ext cx="2158326" cy="584775"/>
-          </a:xfrm>
-          <a:prstGeom prst="rect">
-            <a:avLst/>
-          </a:prstGeom>
-          <a:noFill/>
-        </p:spPr>
-        <p:txBody>
-          <a:bodyPr wrap="square" rtlCol="0">
-            <a:spAutoFit/>
-          </a:bodyPr>
-          <a:lstStyle/>
-          <a:p>
-            <a:pPr algn="ctr"/>
-            <a:r>
-              <a:rPr kumimoji="1" lang="ja-JP" altLang="en-US" sz="1600">
-                <a:solidFill>
-                  <a:srgbClr val="FF0000"/>
-                </a:solidFill>
-                <a:latin typeface="Meiryo UI" panose="020B0604030504040204" pitchFamily="34" charset="-128"/>
-                <a:ea typeface="Meiryo UI" panose="020B0604030504040204" pitchFamily="34" charset="-128"/>
-              </a:rPr>
-              <a:t>アセットのみ</a:t>
-            </a:r>
-            <a:endParaRPr kumimoji="1" lang="en-US" altLang="ja-JP" sz="1600" dirty="0">
-              <a:solidFill>
-                <a:srgbClr val="FF0000"/>
-              </a:solidFill>
-              <a:latin typeface="Meiryo UI" panose="020B0604030504040204" pitchFamily="34" charset="-128"/>
-              <a:ea typeface="Meiryo UI" panose="020B0604030504040204" pitchFamily="34" charset="-128"/>
-            </a:endParaRPr>
-          </a:p>
-          <a:p>
-            <a:pPr algn="ctr"/>
-            <a:r>
-              <a:rPr lang="ja-JP" altLang="en-US" sz="1600">
-                <a:solidFill>
-                  <a:srgbClr val="FF0000"/>
-                </a:solidFill>
-                <a:latin typeface="Meiryo UI" panose="020B0604030504040204" pitchFamily="34" charset="-128"/>
-                <a:ea typeface="Meiryo UI" panose="020B0604030504040204" pitchFamily="34" charset="-128"/>
-              </a:rPr>
-              <a:t>時間を進める領域</a:t>
-            </a:r>
-            <a:endParaRPr kumimoji="1" lang="ja-JP" altLang="en-US" sz="1600">
-              <a:solidFill>
-                <a:srgbClr val="FF0000"/>
-              </a:solidFill>
-              <a:latin typeface="Meiryo UI" panose="020B0604030504040204" pitchFamily="34" charset="-128"/>
-              <a:ea typeface="Meiryo UI" panose="020B0604030504040204" pitchFamily="34" charset="-128"/>
-            </a:endParaRPr>
-          </a:p>
-        </p:txBody>
-      </p:sp>
-      <p:sp>
-        <p:nvSpPr>
-          <p:cNvPr id="48" name="テキスト ボックス 47">
-            <a:extLst>
-              <a:ext uri="{FF2B5EF4-FFF2-40B4-BE49-F238E27FC236}">
-                <a16:creationId xmlns:a16="http://schemas.microsoft.com/office/drawing/2014/main" id="{0D63BEE7-4BBF-AA58-1F3C-C4C3CE32A568}"/>
-              </a:ext>
-            </a:extLst>
-          </p:cNvPr>
-          <p:cNvSpPr txBox="1"/>
-          <p:nvPr/>
-        </p:nvSpPr>
-        <p:spPr>
-          <a:xfrm>
-            <a:off x="1734779" y="5101210"/>
-            <a:ext cx="3854225" cy="338554"/>
-          </a:xfrm>
-          <a:prstGeom prst="rect">
-            <a:avLst/>
-          </a:prstGeom>
-          <a:noFill/>
-        </p:spPr>
-        <p:txBody>
-          <a:bodyPr wrap="square" rtlCol="0">
-            <a:spAutoFit/>
-          </a:bodyPr>
-          <a:lstStyle/>
-          <a:p>
-            <a:pPr algn="ctr"/>
-            <a:r>
-              <a:rPr lang="ja-JP" altLang="en-US" sz="1600">
-                <a:solidFill>
-                  <a:srgbClr val="FF0000"/>
-                </a:solidFill>
-                <a:latin typeface="Meiryo UI" panose="020B0604030504040204" pitchFamily="34" charset="-128"/>
-                <a:ea typeface="Meiryo UI" panose="020B0604030504040204" pitchFamily="34" charset="-128"/>
-              </a:rPr>
-              <a:t>コア</a:t>
-            </a:r>
-            <a:r>
-              <a:rPr kumimoji="1" lang="ja-JP" altLang="en-US" sz="1600">
-                <a:solidFill>
-                  <a:srgbClr val="FF0000"/>
-                </a:solidFill>
-                <a:latin typeface="Meiryo UI" panose="020B0604030504040204" pitchFamily="34" charset="-128"/>
-                <a:ea typeface="Meiryo UI" panose="020B0604030504040204" pitchFamily="34" charset="-128"/>
-              </a:rPr>
-              <a:t>のみ時間を進める領域</a:t>
             </a:r>
           </a:p>
         </p:txBody>
@@ -12998,6 +12887,210 @@
           </a:p>
         </p:txBody>
       </p:sp>
+      <p:sp>
+        <p:nvSpPr>
+          <p:cNvPr id="3" name="テキスト ボックス 2">
+            <a:extLst>
+              <a:ext uri="{FF2B5EF4-FFF2-40B4-BE49-F238E27FC236}">
+                <a16:creationId xmlns:a16="http://schemas.microsoft.com/office/drawing/2014/main" id="{75ABB8A8-B2D5-FF2F-C9B1-4B26D0C4FF06}"/>
+              </a:ext>
+            </a:extLst>
+          </p:cNvPr>
+          <p:cNvSpPr txBox="1"/>
+          <p:nvPr/>
+        </p:nvSpPr>
+        <p:spPr>
+          <a:xfrm>
+            <a:off x="2618307" y="4543802"/>
+            <a:ext cx="3034930" cy="830997"/>
+          </a:xfrm>
+          <a:prstGeom prst="rect">
+            <a:avLst/>
+          </a:prstGeom>
+          <a:noFill/>
+        </p:spPr>
+        <p:txBody>
+          <a:bodyPr wrap="square" rtlCol="0">
+            <a:spAutoFit/>
+          </a:bodyPr>
+          <a:lstStyle/>
+          <a:p>
+            <a:pPr algn="ctr"/>
+            <a:r>
+              <a:rPr kumimoji="1" lang="ja-JP" altLang="en-US" sz="1600">
+                <a:solidFill>
+                  <a:srgbClr val="FF0000"/>
+                </a:solidFill>
+                <a:latin typeface="Meiryo UI" panose="020B0604030504040204" pitchFamily="34" charset="-128"/>
+                <a:ea typeface="Meiryo UI" panose="020B0604030504040204" pitchFamily="34" charset="-128"/>
+              </a:rPr>
+              <a:t>アセット時間が進んでいる</a:t>
+            </a:r>
+            <a:endParaRPr kumimoji="1" lang="en-US" altLang="ja-JP" sz="1600" dirty="0">
+              <a:solidFill>
+                <a:srgbClr val="FF0000"/>
+              </a:solidFill>
+              <a:latin typeface="Meiryo UI" panose="020B0604030504040204" pitchFamily="34" charset="-128"/>
+              <a:ea typeface="Meiryo UI" panose="020B0604030504040204" pitchFamily="34" charset="-128"/>
+            </a:endParaRPr>
+          </a:p>
+          <a:p>
+            <a:pPr algn="ctr"/>
+            <a:r>
+              <a:rPr kumimoji="1" lang="en-US" altLang="ja-JP" sz="1600" dirty="0">
+                <a:solidFill>
+                  <a:srgbClr val="FF0000"/>
+                </a:solidFill>
+                <a:latin typeface="Meiryo UI" panose="020B0604030504040204" pitchFamily="34" charset="-128"/>
+                <a:ea typeface="Meiryo UI" panose="020B0604030504040204" pitchFamily="34" charset="-128"/>
+              </a:rPr>
+              <a:t>(</a:t>
+            </a:r>
+            <a:r>
+              <a:rPr kumimoji="1" lang="ja-JP" altLang="en-US" sz="1600">
+                <a:solidFill>
+                  <a:srgbClr val="FF0000"/>
+                </a:solidFill>
+                <a:latin typeface="Meiryo UI" panose="020B0604030504040204" pitchFamily="34" charset="-128"/>
+                <a:ea typeface="Meiryo UI" panose="020B0604030504040204" pitchFamily="34" charset="-128"/>
+              </a:rPr>
+              <a:t>この状態には</a:t>
+            </a:r>
+            <a:endParaRPr kumimoji="1" lang="en-US" altLang="ja-JP" sz="1600" dirty="0">
+              <a:solidFill>
+                <a:srgbClr val="FF0000"/>
+              </a:solidFill>
+              <a:latin typeface="Meiryo UI" panose="020B0604030504040204" pitchFamily="34" charset="-128"/>
+              <a:ea typeface="Meiryo UI" panose="020B0604030504040204" pitchFamily="34" charset="-128"/>
+            </a:endParaRPr>
+          </a:p>
+          <a:p>
+            <a:pPr algn="ctr"/>
+            <a:r>
+              <a:rPr kumimoji="1" lang="ja-JP" altLang="en-US" sz="1600">
+                <a:solidFill>
+                  <a:srgbClr val="FF0000"/>
+                </a:solidFill>
+                <a:latin typeface="Meiryo UI" panose="020B0604030504040204" pitchFamily="34" charset="-128"/>
+                <a:ea typeface="Meiryo UI" panose="020B0604030504040204" pitchFamily="34" charset="-128"/>
+              </a:rPr>
+              <a:t>決してしない）</a:t>
+            </a:r>
+          </a:p>
+        </p:txBody>
+      </p:sp>
+      <p:sp>
+        <p:nvSpPr>
+          <p:cNvPr id="5" name="テキスト ボックス 4">
+            <a:extLst>
+              <a:ext uri="{FF2B5EF4-FFF2-40B4-BE49-F238E27FC236}">
+                <a16:creationId xmlns:a16="http://schemas.microsoft.com/office/drawing/2014/main" id="{388F9E81-577C-D807-0F0F-B29DFFB16E7E}"/>
+              </a:ext>
+            </a:extLst>
+          </p:cNvPr>
+          <p:cNvSpPr txBox="1"/>
+          <p:nvPr/>
+        </p:nvSpPr>
+        <p:spPr>
+          <a:xfrm>
+            <a:off x="970221" y="1869708"/>
+            <a:ext cx="3034930" cy="1077218"/>
+          </a:xfrm>
+          <a:prstGeom prst="rect">
+            <a:avLst/>
+          </a:prstGeom>
+          <a:noFill/>
+        </p:spPr>
+        <p:txBody>
+          <a:bodyPr wrap="square" rtlCol="0">
+            <a:spAutoFit/>
+          </a:bodyPr>
+          <a:lstStyle/>
+          <a:p>
+            <a:pPr algn="ctr"/>
+            <a:r>
+              <a:rPr kumimoji="1" lang="ja-JP" altLang="en-US" sz="1600">
+                <a:solidFill>
+                  <a:srgbClr val="FF0000"/>
+                </a:solidFill>
+                <a:latin typeface="Meiryo UI" panose="020B0604030504040204" pitchFamily="34" charset="-128"/>
+                <a:ea typeface="Meiryo UI" panose="020B0604030504040204" pitchFamily="34" charset="-128"/>
+              </a:rPr>
+              <a:t>箱庭時刻が許容を</a:t>
+            </a:r>
+            <a:endParaRPr kumimoji="1" lang="en-US" altLang="ja-JP" sz="1600" dirty="0">
+              <a:solidFill>
+                <a:srgbClr val="FF0000"/>
+              </a:solidFill>
+              <a:latin typeface="Meiryo UI" panose="020B0604030504040204" pitchFamily="34" charset="-128"/>
+              <a:ea typeface="Meiryo UI" panose="020B0604030504040204" pitchFamily="34" charset="-128"/>
+            </a:endParaRPr>
+          </a:p>
+          <a:p>
+            <a:pPr algn="ctr"/>
+            <a:r>
+              <a:rPr kumimoji="1" lang="ja-JP" altLang="en-US" sz="1600">
+                <a:solidFill>
+                  <a:srgbClr val="FF0000"/>
+                </a:solidFill>
+                <a:latin typeface="Meiryo UI" panose="020B0604030504040204" pitchFamily="34" charset="-128"/>
+                <a:ea typeface="Meiryo UI" panose="020B0604030504040204" pitchFamily="34" charset="-128"/>
+              </a:rPr>
+              <a:t>超えて進んでいる</a:t>
+            </a:r>
+            <a:endParaRPr kumimoji="1" lang="en-US" altLang="ja-JP" sz="1600" dirty="0">
+              <a:solidFill>
+                <a:srgbClr val="FF0000"/>
+              </a:solidFill>
+              <a:latin typeface="Meiryo UI" panose="020B0604030504040204" pitchFamily="34" charset="-128"/>
+              <a:ea typeface="Meiryo UI" panose="020B0604030504040204" pitchFamily="34" charset="-128"/>
+            </a:endParaRPr>
+          </a:p>
+          <a:p>
+            <a:pPr algn="ctr"/>
+            <a:r>
+              <a:rPr kumimoji="1" lang="en-US" altLang="ja-JP" sz="1600" dirty="0">
+                <a:solidFill>
+                  <a:srgbClr val="FF0000"/>
+                </a:solidFill>
+                <a:latin typeface="Meiryo UI" panose="020B0604030504040204" pitchFamily="34" charset="-128"/>
+                <a:ea typeface="Meiryo UI" panose="020B0604030504040204" pitchFamily="34" charset="-128"/>
+              </a:rPr>
+              <a:t>(</a:t>
+            </a:r>
+            <a:r>
+              <a:rPr kumimoji="1" lang="ja-JP" altLang="en-US" sz="1600">
+                <a:solidFill>
+                  <a:srgbClr val="FF0000"/>
+                </a:solidFill>
+                <a:latin typeface="Meiryo UI" panose="020B0604030504040204" pitchFamily="34" charset="-128"/>
+                <a:ea typeface="Meiryo UI" panose="020B0604030504040204" pitchFamily="34" charset="-128"/>
+              </a:rPr>
+              <a:t>この状態には</a:t>
+            </a:r>
+            <a:endParaRPr kumimoji="1" lang="en-US" altLang="ja-JP" sz="1600" dirty="0">
+              <a:solidFill>
+                <a:srgbClr val="FF0000"/>
+              </a:solidFill>
+              <a:latin typeface="Meiryo UI" panose="020B0604030504040204" pitchFamily="34" charset="-128"/>
+              <a:ea typeface="Meiryo UI" panose="020B0604030504040204" pitchFamily="34" charset="-128"/>
+            </a:endParaRPr>
+          </a:p>
+          <a:p>
+            <a:pPr algn="ctr"/>
+            <a:r>
+              <a:rPr kumimoji="1" lang="ja-JP" altLang="en-US" sz="1600">
+                <a:solidFill>
+                  <a:srgbClr val="FF0000"/>
+                </a:solidFill>
+                <a:latin typeface="Meiryo UI" panose="020B0604030504040204" pitchFamily="34" charset="-128"/>
+                <a:ea typeface="Meiryo UI" panose="020B0604030504040204" pitchFamily="34" charset="-128"/>
+              </a:rPr>
+              <a:t>決してしない）</a:t>
+            </a:r>
+          </a:p>
+        </p:txBody>
+      </p:sp>
     </p:spTree>
     <p:extLst>
       <p:ext uri="{BB962C8B-B14F-4D97-AF65-F5344CB8AC3E}">
@@ -13016,7 +13109,13 @@
   <p:cSld>
     <p:spTree>
       <p:nvGrpSpPr>
-        <p:cNvPr id="1" name=""/>
+        <p:cNvPr id="1" name="">
+          <a:extLst>
+            <a:ext uri="{FF2B5EF4-FFF2-40B4-BE49-F238E27FC236}">
+              <a16:creationId xmlns:a16="http://schemas.microsoft.com/office/drawing/2014/main" id="{19631050-ED9F-9DC3-7587-9FFCE926576F}"/>
+            </a:ext>
+          </a:extLst>
+        </p:cNvPr>
         <p:cNvGrpSpPr/>
         <p:nvPr/>
       </p:nvGrpSpPr>
@@ -13030,10 +13129,10 @@
       </p:grpSpPr>
       <p:pic>
         <p:nvPicPr>
-          <p:cNvPr id="6" name="コンテンツ プレースホルダー 5" descr="グラフ, 折れ線グラフ&#10;&#10;自動的に生成された説明">
+          <p:cNvPr id="11" name="コンテンツ プレースホルダー 10" descr="グラフ, 折れ線グラフ&#10;&#10;自動的に生成された説明">
             <a:extLst>
               <a:ext uri="{FF2B5EF4-FFF2-40B4-BE49-F238E27FC236}">
-                <a16:creationId xmlns:a16="http://schemas.microsoft.com/office/drawing/2014/main" id="{CA66B7BA-C62E-137C-1406-FFFF33E7C9B7}"/>
+                <a16:creationId xmlns:a16="http://schemas.microsoft.com/office/drawing/2014/main" id="{243DD0AA-E156-DC36-A321-8B16E5626F13}"/>
               </a:ext>
             </a:extLst>
           </p:cNvPr>
@@ -13058,8 +13157,8 @@
         </p:blipFill>
         <p:spPr>
           <a:xfrm>
-            <a:off x="994042" y="836712"/>
-            <a:ext cx="9926494" cy="5876622"/>
+            <a:off x="1307468" y="908720"/>
+            <a:ext cx="9577064" cy="5703414"/>
           </a:xfrm>
         </p:spPr>
       </p:pic>
@@ -13068,7 +13167,7 @@
           <p:cNvPr id="4" name="スライド番号プレースホルダー 3">
             <a:extLst>
               <a:ext uri="{FF2B5EF4-FFF2-40B4-BE49-F238E27FC236}">
-                <a16:creationId xmlns:a16="http://schemas.microsoft.com/office/drawing/2014/main" id="{C0D18711-307B-EED6-D3EE-9AE1B2D4E6A0}"/>
+                <a16:creationId xmlns:a16="http://schemas.microsoft.com/office/drawing/2014/main" id="{2AFD3D4B-09EC-347B-0592-B0D0F6144B99}"/>
               </a:ext>
             </a:extLst>
           </p:cNvPr>
@@ -13109,7 +13208,7 @@
           <p:cNvPr id="2" name="タイトル 1">
             <a:extLst>
               <a:ext uri="{FF2B5EF4-FFF2-40B4-BE49-F238E27FC236}">
-                <a16:creationId xmlns:a16="http://schemas.microsoft.com/office/drawing/2014/main" id="{02109332-3ED3-242C-2B0E-8FB88D4B9B9F}"/>
+                <a16:creationId xmlns:a16="http://schemas.microsoft.com/office/drawing/2014/main" id="{21AEB537-AF81-9BA5-B944-16DF345A7DF0}"/>
               </a:ext>
             </a:extLst>
           </p:cNvPr>
@@ -13137,7 +13236,7 @@
           <p:cNvPr id="10" name="テキスト ボックス 9">
             <a:extLst>
               <a:ext uri="{FF2B5EF4-FFF2-40B4-BE49-F238E27FC236}">
-                <a16:creationId xmlns:a16="http://schemas.microsoft.com/office/drawing/2014/main" id="{579DDCB6-464E-481E-0A02-611387EAF6C2}"/>
+                <a16:creationId xmlns:a16="http://schemas.microsoft.com/office/drawing/2014/main" id="{A3291E1F-9906-59A9-8851-B36B253E7453}"/>
               </a:ext>
             </a:extLst>
           </p:cNvPr>
@@ -13146,8 +13245,8 @@
         </p:nvSpPr>
         <p:spPr>
           <a:xfrm>
-            <a:off x="3071664" y="1412776"/>
-            <a:ext cx="1208985" cy="738664"/>
+            <a:off x="3359696" y="1484784"/>
+            <a:ext cx="1210524" cy="738664"/>
           </a:xfrm>
           <a:prstGeom prst="rect">
             <a:avLst/>
@@ -13170,6 +13269,257 @@
           <a:lstStyle/>
           <a:p>
             <a:r>
+              <a:rPr kumimoji="1" lang="en-US" altLang="ja-JP" sz="1400" dirty="0"/>
+              <a:t>10 Assets</a:t>
+            </a:r>
+          </a:p>
+          <a:p>
+            <a:r>
+              <a:rPr lang="en-US" altLang="ja-JP" sz="1400" dirty="0">
+                <a:latin typeface="Times New Roman" panose="02020603050405020304" pitchFamily="18" charset="0"/>
+                <a:cs typeface="Times New Roman" panose="02020603050405020304" pitchFamily="18" charset="0"/>
+              </a:rPr>
+              <a:t>ΔT     = 10 </a:t>
+            </a:r>
+            <a:r>
+              <a:rPr lang="en-US" altLang="ja-JP" sz="1400" dirty="0" err="1">
+                <a:latin typeface="Times New Roman" panose="02020603050405020304" pitchFamily="18" charset="0"/>
+                <a:cs typeface="Times New Roman" panose="02020603050405020304" pitchFamily="18" charset="0"/>
+              </a:rPr>
+              <a:t>ms</a:t>
+            </a:r>
+            <a:endParaRPr kumimoji="1" lang="ja-JP" altLang="en-US" sz="1400">
+              <a:latin typeface="Times New Roman" panose="02020603050405020304" pitchFamily="18" charset="0"/>
+              <a:cs typeface="Times New Roman" panose="02020603050405020304" pitchFamily="18" charset="0"/>
+            </a:endParaRPr>
+          </a:p>
+          <a:p>
+            <a:r>
+              <a:rPr lang="en-US" altLang="ja-JP" sz="1400" dirty="0" err="1">
+                <a:latin typeface="Times New Roman" panose="02020603050405020304" pitchFamily="18" charset="0"/>
+                <a:cs typeface="Times New Roman" panose="02020603050405020304" pitchFamily="18" charset="0"/>
+              </a:rPr>
+              <a:t>d</a:t>
+            </a:r>
+            <a:r>
+              <a:rPr lang="en-US" altLang="ja-JP" sz="1400" baseline="-25000" dirty="0" err="1">
+                <a:latin typeface="Times New Roman" panose="02020603050405020304" pitchFamily="18" charset="0"/>
+                <a:cs typeface="Times New Roman" panose="02020603050405020304" pitchFamily="18" charset="0"/>
+              </a:rPr>
+              <a:t>_max</a:t>
+            </a:r>
+            <a:r>
+              <a:rPr lang="en-US" altLang="ja-JP" sz="1400" dirty="0">
+                <a:latin typeface="Times New Roman" panose="02020603050405020304" pitchFamily="18" charset="0"/>
+                <a:cs typeface="Times New Roman" panose="02020603050405020304" pitchFamily="18" charset="0"/>
+              </a:rPr>
+              <a:t>= 100 </a:t>
+            </a:r>
+            <a:r>
+              <a:rPr lang="en-US" altLang="ja-JP" sz="1400" dirty="0" err="1">
+                <a:latin typeface="Times New Roman" panose="02020603050405020304" pitchFamily="18" charset="0"/>
+                <a:cs typeface="Times New Roman" panose="02020603050405020304" pitchFamily="18" charset="0"/>
+              </a:rPr>
+              <a:t>ms</a:t>
+            </a:r>
+            <a:endParaRPr lang="en-US" altLang="ja-JP" sz="1400" dirty="0">
+              <a:latin typeface="Times New Roman" panose="02020603050405020304" pitchFamily="18" charset="0"/>
+              <a:cs typeface="Times New Roman" panose="02020603050405020304" pitchFamily="18" charset="0"/>
+            </a:endParaRPr>
+          </a:p>
+        </p:txBody>
+      </p:sp>
+    </p:spTree>
+    <p:extLst>
+      <p:ext uri="{BB962C8B-B14F-4D97-AF65-F5344CB8AC3E}">
+        <p14:creationId xmlns:p14="http://schemas.microsoft.com/office/powerpoint/2010/main" val="2422905503"/>
+      </p:ext>
+    </p:extLst>
+  </p:cSld>
+  <p:clrMapOvr>
+    <a:masterClrMapping/>
+  </p:clrMapOvr>
+</p:sld>
+</file>
+
+<file path=ppt/slides/slide15.xml><?xml version="1.0" encoding="utf-8"?>
+<p:sld xmlns:a="http://schemas.openxmlformats.org/drawingml/2006/main" xmlns:r="http://schemas.openxmlformats.org/officeDocument/2006/relationships" xmlns:p="http://schemas.openxmlformats.org/presentationml/2006/main">
+  <p:cSld>
+    <p:spTree>
+      <p:nvGrpSpPr>
+        <p:cNvPr id="1" name=""/>
+        <p:cNvGrpSpPr/>
+        <p:nvPr/>
+      </p:nvGrpSpPr>
+      <p:grpSpPr>
+        <a:xfrm>
+          <a:off x="0" y="0"/>
+          <a:ext cx="0" cy="0"/>
+          <a:chOff x="0" y="0"/>
+          <a:chExt cx="0" cy="0"/>
+        </a:xfrm>
+      </p:grpSpPr>
+      <p:pic>
+        <p:nvPicPr>
+          <p:cNvPr id="8" name="図 7" descr="グラフ, 折れ線グラフ&#10;&#10;自動的に生成された説明">
+            <a:extLst>
+              <a:ext uri="{FF2B5EF4-FFF2-40B4-BE49-F238E27FC236}">
+                <a16:creationId xmlns:a16="http://schemas.microsoft.com/office/drawing/2014/main" id="{F3BC0BEF-26E0-5C72-BF5B-C00717779E60}"/>
+              </a:ext>
+            </a:extLst>
+          </p:cNvPr>
+          <p:cNvPicPr>
+            <a:picLocks noChangeAspect="1"/>
+          </p:cNvPicPr>
+          <p:nvPr/>
+        </p:nvPicPr>
+        <p:blipFill>
+          <a:blip r:embed="rId2">
+            <a:extLst>
+              <a:ext uri="{28A0092B-C50C-407E-A947-70E740481C1C}">
+                <a14:useLocalDpi xmlns:a14="http://schemas.microsoft.com/office/drawing/2010/main" val="0"/>
+              </a:ext>
+            </a:extLst>
+          </a:blip>
+          <a:stretch>
+            <a:fillRect/>
+          </a:stretch>
+        </p:blipFill>
+        <p:spPr>
+          <a:xfrm>
+            <a:off x="863966" y="836712"/>
+            <a:ext cx="10272594" cy="6029109"/>
+          </a:xfrm>
+          <a:prstGeom prst="rect">
+            <a:avLst/>
+          </a:prstGeom>
+        </p:spPr>
+      </p:pic>
+      <p:sp>
+        <p:nvSpPr>
+          <p:cNvPr id="4" name="スライド番号プレースホルダー 3">
+            <a:extLst>
+              <a:ext uri="{FF2B5EF4-FFF2-40B4-BE49-F238E27FC236}">
+                <a16:creationId xmlns:a16="http://schemas.microsoft.com/office/drawing/2014/main" id="{C0D18711-307B-EED6-D3EE-9AE1B2D4E6A0}"/>
+              </a:ext>
+            </a:extLst>
+          </p:cNvPr>
+          <p:cNvSpPr>
+            <a:spLocks noGrp="1"/>
+          </p:cNvSpPr>
+          <p:nvPr>
+            <p:ph type="sldNum" sz="quarter" idx="4"/>
+          </p:nvPr>
+        </p:nvSpPr>
+        <p:spPr/>
+        <p:txBody>
+          <a:bodyPr/>
+          <a:lstStyle/>
+          <a:p>
+            <a:pPr algn="r">
+              <a:defRPr/>
+            </a:pPr>
+            <a:fld id="{E17FD244-5B26-4792-B537-EF0BE56E30E9}" type="slidenum">
+              <a:rPr lang="ja-JP" altLang="en-US" sz="2800" smtClean="0">
+                <a:latin typeface="Meiryo UI" panose="020B0604030504040204" pitchFamily="34" charset="-128"/>
+                <a:ea typeface="Meiryo UI" panose="020B0604030504040204" pitchFamily="34" charset="-128"/>
+              </a:rPr>
+              <a:pPr algn="r">
+                <a:defRPr/>
+              </a:pPr>
+              <a:t>15</a:t>
+            </a:fld>
+            <a:endParaRPr lang="ja-JP" altLang="en-US" sz="2800" dirty="0">
+              <a:latin typeface="Meiryo UI" panose="020B0604030504040204" pitchFamily="34" charset="-128"/>
+              <a:ea typeface="Meiryo UI" panose="020B0604030504040204" pitchFamily="34" charset="-128"/>
+            </a:endParaRPr>
+          </a:p>
+        </p:txBody>
+      </p:sp>
+      <p:sp>
+        <p:nvSpPr>
+          <p:cNvPr id="2" name="タイトル 1">
+            <a:extLst>
+              <a:ext uri="{FF2B5EF4-FFF2-40B4-BE49-F238E27FC236}">
+                <a16:creationId xmlns:a16="http://schemas.microsoft.com/office/drawing/2014/main" id="{02109332-3ED3-242C-2B0E-8FB88D4B9B9F}"/>
+              </a:ext>
+            </a:extLst>
+          </p:cNvPr>
+          <p:cNvSpPr>
+            <a:spLocks noGrp="1"/>
+          </p:cNvSpPr>
+          <p:nvPr>
+            <p:ph type="title"/>
+          </p:nvPr>
+        </p:nvSpPr>
+        <p:spPr>
+          <a:xfrm>
+            <a:off x="609600" y="116632"/>
+            <a:ext cx="10972800" cy="746548"/>
+          </a:xfrm>
+        </p:spPr>
+        <p:txBody>
+          <a:bodyPr/>
+          <a:lstStyle/>
+          <a:p>
+            <a:r>
+              <a:rPr kumimoji="1" lang="ja-JP" altLang="en-US"/>
+              <a:t>シミュレーション結果</a:t>
+            </a:r>
+            <a:r>
+              <a:rPr kumimoji="1" lang="en-US" altLang="ja-JP"/>
+              <a:t>(</a:t>
+            </a:r>
+            <a:r>
+              <a:rPr kumimoji="1" lang="ja-JP" altLang="en-US"/>
+              <a:t>詳しく</a:t>
+            </a:r>
+            <a:r>
+              <a:rPr kumimoji="1" lang="en-US" altLang="ja-JP"/>
+              <a:t>)</a:t>
+            </a:r>
+            <a:endParaRPr kumimoji="1" lang="ja-JP" altLang="en-US"/>
+          </a:p>
+        </p:txBody>
+      </p:sp>
+      <p:sp>
+        <p:nvSpPr>
+          <p:cNvPr id="10" name="テキスト ボックス 9">
+            <a:extLst>
+              <a:ext uri="{FF2B5EF4-FFF2-40B4-BE49-F238E27FC236}">
+                <a16:creationId xmlns:a16="http://schemas.microsoft.com/office/drawing/2014/main" id="{579DDCB6-464E-481E-0A02-611387EAF6C2}"/>
+              </a:ext>
+            </a:extLst>
+          </p:cNvPr>
+          <p:cNvSpPr txBox="1"/>
+          <p:nvPr/>
+        </p:nvSpPr>
+        <p:spPr>
+          <a:xfrm>
+            <a:off x="2942799" y="2420888"/>
+            <a:ext cx="1208985" cy="738664"/>
+          </a:xfrm>
+          <a:prstGeom prst="rect">
+            <a:avLst/>
+          </a:prstGeom>
+          <a:solidFill>
+            <a:schemeClr val="bg1"/>
+          </a:solidFill>
+          <a:ln>
+            <a:solidFill>
+              <a:schemeClr val="bg1">
+                <a:lumMod val="65000"/>
+              </a:schemeClr>
+            </a:solidFill>
+          </a:ln>
+        </p:spPr>
+        <p:txBody>
+          <a:bodyPr wrap="none" rtlCol="0">
+            <a:spAutoFit/>
+          </a:bodyPr>
+          <a:lstStyle/>
+          <a:p>
+            <a:r>
               <a:rPr kumimoji="1" lang="en-US" altLang="ja-JP" sz="1400"/>
               <a:t>10 Assets</a:t>
             </a:r>
@@ -13180,7 +13530,7 @@
                 <a:latin typeface="Times New Roman" panose="02020603050405020304" pitchFamily="18" charset="0"/>
                 <a:cs typeface="Times New Roman" panose="02020603050405020304" pitchFamily="18" charset="0"/>
               </a:rPr>
-              <a:t>Δt     = 10 ms</a:t>
+              <a:t>ΔT     = 10 ms</a:t>
             </a:r>
             <a:endParaRPr kumimoji="1" lang="ja-JP" altLang="en-US" sz="1400">
               <a:latin typeface="Times New Roman" panose="02020603050405020304" pitchFamily="18" charset="0"/>
@@ -25917,7 +26267,7 @@
               </a:rPr>
               <a:t>アセット時間が進んでいる</a:t>
             </a:r>
-            <a:endParaRPr kumimoji="1" lang="en-US" altLang="ja-JP" sz="1600">
+            <a:endParaRPr kumimoji="1" lang="en-US" altLang="ja-JP" sz="1600" dirty="0">
               <a:solidFill>
                 <a:srgbClr val="FF0000"/>
               </a:solidFill>
@@ -25928,7 +26278,7 @@
           <a:p>
             <a:pPr algn="ctr"/>
             <a:r>
-              <a:rPr kumimoji="1" lang="en-US" altLang="ja-JP" sz="1600">
+              <a:rPr kumimoji="1" lang="en-US" altLang="ja-JP" sz="1600" dirty="0">
                 <a:solidFill>
                   <a:srgbClr val="FF0000"/>
                 </a:solidFill>
@@ -25947,7 +26297,7 @@
               </a:rPr>
               <a:t>この状態には</a:t>
             </a:r>
-            <a:endParaRPr kumimoji="1" lang="en-US" altLang="ja-JP" sz="1600">
+            <a:endParaRPr kumimoji="1" lang="en-US" altLang="ja-JP" sz="1600" dirty="0">
               <a:solidFill>
                 <a:srgbClr val="FF0000"/>
               </a:solidFill>
@@ -26401,7 +26751,7 @@
               </a:rPr>
               <a:t>箱庭時刻が許容を</a:t>
             </a:r>
-            <a:endParaRPr kumimoji="1" lang="en-US" altLang="ja-JP" sz="1600">
+            <a:endParaRPr kumimoji="1" lang="en-US" altLang="ja-JP" sz="1600" dirty="0">
               <a:solidFill>
                 <a:srgbClr val="FF0000"/>
               </a:solidFill>
@@ -26421,7 +26771,7 @@
               </a:rPr>
               <a:t>超えて進んでいる</a:t>
             </a:r>
-            <a:endParaRPr kumimoji="1" lang="en-US" altLang="ja-JP" sz="1600">
+            <a:endParaRPr kumimoji="1" lang="en-US" altLang="ja-JP" sz="1600" dirty="0">
               <a:solidFill>
                 <a:srgbClr val="FF0000"/>
               </a:solidFill>
@@ -26432,7 +26782,7 @@
           <a:p>
             <a:pPr algn="ctr"/>
             <a:r>
-              <a:rPr kumimoji="1" lang="en-US" altLang="ja-JP" sz="1600">
+              <a:rPr kumimoji="1" lang="en-US" altLang="ja-JP" sz="1600" dirty="0">
                 <a:solidFill>
                   <a:srgbClr val="FF0000"/>
                 </a:solidFill>
@@ -26451,7 +26801,7 @@
               </a:rPr>
               <a:t>この状態には</a:t>
             </a:r>
-            <a:endParaRPr kumimoji="1" lang="en-US" altLang="ja-JP" sz="1600">
+            <a:endParaRPr kumimoji="1" lang="en-US" altLang="ja-JP" sz="1600" dirty="0">
               <a:solidFill>
                 <a:srgbClr val="FF0000"/>
               </a:solidFill>

--- a/math/Hakoniwa-time.pptx
+++ b/math/Hakoniwa-time.pptx
@@ -304,7 +304,7 @@
               <a:pPr>
                 <a:defRPr/>
               </a:pPr>
-              <a:t>2024/9/26</a:t>
+              <a:t>2024/10/16</a:t>
             </a:fld>
             <a:endParaRPr lang="ja-JP" altLang="en-US" dirty="0"/>
           </a:p>
@@ -989,7 +989,7 @@
           <a:p>
             <a:fld id="{1733E518-4B2E-46CC-A779-D7A67A1295D7}" type="datetimeFigureOut">
               <a:rPr kumimoji="1" lang="ja-JP" altLang="en-US" smtClean="0"/>
-              <a:t>2024/9/26</a:t>
+              <a:t>2024/10/16</a:t>
             </a:fld>
             <a:endParaRPr kumimoji="1" lang="ja-JP" altLang="en-US"/>
           </a:p>
@@ -1189,7 +1189,7 @@
           <a:p>
             <a:fld id="{1733E518-4B2E-46CC-A779-D7A67A1295D7}" type="datetimeFigureOut">
               <a:rPr kumimoji="1" lang="ja-JP" altLang="en-US" smtClean="0"/>
-              <a:t>2024/9/26</a:t>
+              <a:t>2024/10/16</a:t>
             </a:fld>
             <a:endParaRPr kumimoji="1" lang="ja-JP" altLang="en-US"/>
           </a:p>
@@ -1399,7 +1399,7 @@
           <a:p>
             <a:fld id="{1733E518-4B2E-46CC-A779-D7A67A1295D7}" type="datetimeFigureOut">
               <a:rPr kumimoji="1" lang="ja-JP" altLang="en-US" smtClean="0"/>
-              <a:t>2024/9/26</a:t>
+              <a:t>2024/10/16</a:t>
             </a:fld>
             <a:endParaRPr kumimoji="1" lang="ja-JP" altLang="en-US"/>
           </a:p>
@@ -3803,7 +3803,7 @@
           <a:p>
             <a:fld id="{1733E518-4B2E-46CC-A779-D7A67A1295D7}" type="datetimeFigureOut">
               <a:rPr kumimoji="1" lang="ja-JP" altLang="en-US" smtClean="0"/>
-              <a:t>2024/9/26</a:t>
+              <a:t>2024/10/16</a:t>
             </a:fld>
             <a:endParaRPr kumimoji="1" lang="ja-JP" altLang="en-US"/>
           </a:p>
@@ -5290,7 +5290,7 @@
           <a:p>
             <a:fld id="{1733E518-4B2E-46CC-A779-D7A67A1295D7}" type="datetimeFigureOut">
               <a:rPr kumimoji="1" lang="ja-JP" altLang="en-US" smtClean="0"/>
-              <a:t>2024/9/26</a:t>
+              <a:t>2024/10/16</a:t>
             </a:fld>
             <a:endParaRPr kumimoji="1" lang="ja-JP" altLang="en-US"/>
           </a:p>
@@ -5639,7 +5639,7 @@
           <a:p>
             <a:fld id="{1733E518-4B2E-46CC-A779-D7A67A1295D7}" type="datetimeFigureOut">
               <a:rPr kumimoji="1" lang="ja-JP" altLang="en-US" smtClean="0"/>
-              <a:t>2024/9/26</a:t>
+              <a:t>2024/10/16</a:t>
             </a:fld>
             <a:endParaRPr kumimoji="1" lang="ja-JP" altLang="en-US"/>
           </a:p>
@@ -6122,7 +6122,7 @@
           <a:p>
             <a:fld id="{1733E518-4B2E-46CC-A779-D7A67A1295D7}" type="datetimeFigureOut">
               <a:rPr kumimoji="1" lang="ja-JP" altLang="en-US" smtClean="0"/>
-              <a:t>2024/9/26</a:t>
+              <a:t>2024/10/16</a:t>
             </a:fld>
             <a:endParaRPr kumimoji="1" lang="ja-JP" altLang="en-US"/>
           </a:p>
@@ -6239,7 +6239,7 @@
           <a:p>
             <a:fld id="{1733E518-4B2E-46CC-A779-D7A67A1295D7}" type="datetimeFigureOut">
               <a:rPr kumimoji="1" lang="ja-JP" altLang="en-US" smtClean="0"/>
-              <a:t>2024/9/26</a:t>
+              <a:t>2024/10/16</a:t>
             </a:fld>
             <a:endParaRPr kumimoji="1" lang="ja-JP" altLang="en-US"/>
           </a:p>
@@ -6334,7 +6334,7 @@
           <a:p>
             <a:fld id="{1733E518-4B2E-46CC-A779-D7A67A1295D7}" type="datetimeFigureOut">
               <a:rPr kumimoji="1" lang="ja-JP" altLang="en-US" smtClean="0"/>
-              <a:t>2024/9/26</a:t>
+              <a:t>2024/10/16</a:t>
             </a:fld>
             <a:endParaRPr kumimoji="1" lang="ja-JP" altLang="en-US"/>
           </a:p>
@@ -6641,7 +6641,7 @@
           <a:p>
             <a:fld id="{1733E518-4B2E-46CC-A779-D7A67A1295D7}" type="datetimeFigureOut">
               <a:rPr kumimoji="1" lang="ja-JP" altLang="en-US" smtClean="0"/>
-              <a:t>2024/9/26</a:t>
+              <a:t>2024/10/16</a:t>
             </a:fld>
             <a:endParaRPr kumimoji="1" lang="ja-JP" altLang="en-US"/>
           </a:p>
@@ -6893,7 +6893,7 @@
           <a:p>
             <a:fld id="{1733E518-4B2E-46CC-A779-D7A67A1295D7}" type="datetimeFigureOut">
               <a:rPr kumimoji="1" lang="ja-JP" altLang="en-US" smtClean="0"/>
-              <a:t>2024/9/26</a:t>
+              <a:t>2024/10/16</a:t>
             </a:fld>
             <a:endParaRPr kumimoji="1" lang="ja-JP" altLang="en-US"/>
           </a:p>
@@ -7136,7 +7136,7 @@
           <a:p>
             <a:fld id="{1733E518-4B2E-46CC-A779-D7A67A1295D7}" type="datetimeFigureOut">
               <a:rPr kumimoji="1" lang="ja-JP" altLang="en-US" smtClean="0"/>
-              <a:t>2024/9/26</a:t>
+              <a:t>2024/10/16</a:t>
             </a:fld>
             <a:endParaRPr kumimoji="1" lang="ja-JP" altLang="en-US"/>
           </a:p>
@@ -14994,7 +14994,7 @@
         </p:nvSpPr>
         <p:spPr>
           <a:xfrm>
-            <a:off x="2641155" y="3501646"/>
+            <a:off x="2641155" y="3880275"/>
             <a:ext cx="855095" cy="855095"/>
           </a:xfrm>
           <a:custGeom>
@@ -15139,7 +15139,7 @@
         </p:nvSpPr>
         <p:spPr>
           <a:xfrm>
-            <a:off x="3046200" y="3704169"/>
+            <a:off x="3046200" y="4082798"/>
             <a:ext cx="196896" cy="399419"/>
           </a:xfrm>
           <a:custGeom>
@@ -15253,7 +15253,7 @@
         </p:nvSpPr>
         <p:spPr>
           <a:xfrm>
-            <a:off x="3046200" y="3614159"/>
+            <a:off x="3046200" y="3992788"/>
             <a:ext cx="45005" cy="45005"/>
           </a:xfrm>
           <a:custGeom>
@@ -15349,7 +15349,7 @@
         </p:nvSpPr>
         <p:spPr>
           <a:xfrm>
-            <a:off x="3046200" y="4199224"/>
+            <a:off x="3046200" y="4577853"/>
             <a:ext cx="45005" cy="45005"/>
           </a:xfrm>
           <a:custGeom>
@@ -15445,7 +15445,7 @@
         </p:nvSpPr>
         <p:spPr>
           <a:xfrm>
-            <a:off x="2753668" y="3906691"/>
+            <a:off x="2753668" y="4285320"/>
             <a:ext cx="45005" cy="45005"/>
           </a:xfrm>
           <a:custGeom>
@@ -15541,7 +15541,7 @@
         </p:nvSpPr>
         <p:spPr>
           <a:xfrm>
-            <a:off x="3338733" y="3906691"/>
+            <a:off x="3338733" y="4285320"/>
             <a:ext cx="45005" cy="45005"/>
           </a:xfrm>
           <a:custGeom>
@@ -15804,7 +15804,7 @@
         </p:nvSpPr>
         <p:spPr>
           <a:xfrm>
-            <a:off x="1984509" y="4634556"/>
+            <a:off x="1984509" y="5013185"/>
             <a:ext cx="2160240" cy="648063"/>
           </a:xfrm>
           <a:prstGeom prst="rect">
@@ -15900,7 +15900,7 @@
         </p:nvSpPr>
         <p:spPr>
           <a:xfrm>
-            <a:off x="4983200" y="4634556"/>
+            <a:off x="4983200" y="5013185"/>
             <a:ext cx="2160240" cy="648060"/>
           </a:xfrm>
           <a:prstGeom prst="rect">
@@ -15992,7 +15992,7 @@
         </p:nvCxnSpPr>
         <p:spPr>
           <a:xfrm flipH="1">
-            <a:off x="3064629" y="4469254"/>
+            <a:off x="3064629" y="4847883"/>
             <a:ext cx="4074" cy="165302"/>
           </a:xfrm>
           <a:prstGeom prst="line">
@@ -16031,7 +16031,7 @@
         </p:nvCxnSpPr>
         <p:spPr>
           <a:xfrm>
-            <a:off x="6054838" y="4469255"/>
+            <a:off x="6054838" y="4847884"/>
             <a:ext cx="8482" cy="165301"/>
           </a:xfrm>
           <a:prstGeom prst="line">
@@ -16067,7 +16067,7 @@
         </p:nvSpPr>
         <p:spPr>
           <a:xfrm>
-            <a:off x="7961173" y="4634556"/>
+            <a:off x="7961173" y="5013185"/>
             <a:ext cx="2160240" cy="648055"/>
           </a:xfrm>
           <a:prstGeom prst="rect">
@@ -16159,7 +16159,7 @@
         </p:nvCxnSpPr>
         <p:spPr>
           <a:xfrm>
-            <a:off x="9038333" y="4469255"/>
+            <a:off x="9038333" y="4847884"/>
             <a:ext cx="2960" cy="165301"/>
           </a:xfrm>
           <a:prstGeom prst="line">
@@ -16195,7 +16195,7 @@
         </p:nvCxnSpPr>
         <p:spPr>
           <a:xfrm>
-            <a:off x="1991544" y="2783631"/>
+            <a:off x="1991544" y="3162260"/>
             <a:ext cx="7920880" cy="0"/>
           </a:xfrm>
           <a:prstGeom prst="line">
@@ -16231,7 +16231,7 @@
         </p:nvSpPr>
         <p:spPr>
           <a:xfrm>
-            <a:off x="2926168" y="2694893"/>
+            <a:off x="2926168" y="3073522"/>
             <a:ext cx="285071" cy="162898"/>
           </a:xfrm>
           <a:prstGeom prst="rect">
@@ -16291,9 +16291,9 @@
           <p:nvPr/>
         </p:nvCxnSpPr>
         <p:spPr>
-          <a:xfrm flipH="1">
-            <a:off x="3064628" y="2857791"/>
-            <a:ext cx="4076" cy="327303"/>
+          <a:xfrm>
+            <a:off x="3068704" y="3236420"/>
+            <a:ext cx="5148" cy="327303"/>
           </a:xfrm>
           <a:prstGeom prst="line">
             <a:avLst/>
@@ -16331,7 +16331,7 @@
         </p:nvSpPr>
         <p:spPr>
           <a:xfrm>
-            <a:off x="5905277" y="2705810"/>
+            <a:off x="5905277" y="3084439"/>
             <a:ext cx="285071" cy="162898"/>
           </a:xfrm>
           <a:prstGeom prst="rect">
@@ -16392,7 +16392,7 @@
         </p:nvCxnSpPr>
         <p:spPr>
           <a:xfrm flipH="1">
-            <a:off x="6047812" y="2868708"/>
+            <a:off x="6047812" y="3247337"/>
             <a:ext cx="1" cy="362891"/>
           </a:xfrm>
           <a:prstGeom prst="line">
@@ -16431,7 +16431,7 @@
         </p:nvSpPr>
         <p:spPr>
           <a:xfrm>
-            <a:off x="8891767" y="2732823"/>
+            <a:off x="8891767" y="3111452"/>
             <a:ext cx="285071" cy="162898"/>
           </a:xfrm>
           <a:prstGeom prst="rect">
@@ -16492,7 +16492,7 @@
         </p:nvCxnSpPr>
         <p:spPr>
           <a:xfrm>
-            <a:off x="9034303" y="2895721"/>
+            <a:off x="9034303" y="3274350"/>
             <a:ext cx="6990" cy="293816"/>
           </a:xfrm>
           <a:prstGeom prst="line">
@@ -16531,8 +16531,8 @@
         </p:nvSpPr>
         <p:spPr>
           <a:xfrm>
-            <a:off x="2211942" y="3185094"/>
-            <a:ext cx="1705371" cy="276999"/>
+            <a:off x="1995919" y="3563723"/>
+            <a:ext cx="2155865" cy="276999"/>
           </a:xfrm>
           <a:prstGeom prst="rect">
             <a:avLst/>
@@ -16551,18 +16551,28 @@
                 <a:latin typeface="Meiryo UI" panose="020B0604030504040204" pitchFamily="34" charset="-128"/>
                 <a:ea typeface="Meiryo UI" panose="020B0604030504040204" pitchFamily="34" charset="-128"/>
               </a:rPr>
-              <a:t>Simulation Time T</a:t>
-            </a:r>
-            <a:r>
-              <a:rPr lang="en-US" altLang="ja-JP" sz="1200" baseline="-25000" dirty="0">
-                <a:latin typeface="Meiryo UI" panose="020B0604030504040204" pitchFamily="34" charset="-128"/>
+              <a:t>Assert Time </a:t>
+            </a:r>
+            <a:r>
+              <a:rPr lang="en-US" altLang="ja-JP" sz="1200" i="1" dirty="0">
+                <a:latin typeface="Times New Roman" panose="02020603050405020304" pitchFamily="18" charset="0"/>
                 <a:ea typeface="Meiryo UI" panose="020B0604030504040204" pitchFamily="34" charset="-128"/>
+                <a:cs typeface="Times New Roman" panose="02020603050405020304" pitchFamily="18" charset="0"/>
+              </a:rPr>
+              <a:t>T</a:t>
+            </a:r>
+            <a:r>
+              <a:rPr lang="en-US" altLang="ja-JP" sz="1200" i="1" baseline="-25000" dirty="0">
+                <a:latin typeface="Times New Roman" panose="02020603050405020304" pitchFamily="18" charset="0"/>
+                <a:ea typeface="Meiryo UI" panose="020B0604030504040204" pitchFamily="34" charset="-128"/>
+                <a:cs typeface="Times New Roman" panose="02020603050405020304" pitchFamily="18" charset="0"/>
               </a:rPr>
               <a:t>1</a:t>
             </a:r>
-            <a:endParaRPr lang="ja-JP" altLang="en-US" sz="1200" baseline="-25000" dirty="0">
-              <a:latin typeface="Meiryo UI" panose="020B0604030504040204" pitchFamily="34" charset="-128"/>
+            <a:endParaRPr lang="ja-JP" altLang="en-US" sz="1200" i="1" baseline="-25000" dirty="0">
+              <a:latin typeface="Times New Roman" panose="02020603050405020304" pitchFamily="18" charset="0"/>
               <a:ea typeface="Meiryo UI" panose="020B0604030504040204" pitchFamily="34" charset="-128"/>
+              <a:cs typeface="Times New Roman" panose="02020603050405020304" pitchFamily="18" charset="0"/>
             </a:endParaRPr>
           </a:p>
         </p:txBody>
@@ -16581,7 +16591,7 @@
         </p:nvSpPr>
         <p:spPr>
           <a:xfrm>
-            <a:off x="5626324" y="3539475"/>
+            <a:off x="5626324" y="3918104"/>
             <a:ext cx="855095" cy="855095"/>
           </a:xfrm>
           <a:custGeom>
@@ -16726,7 +16736,7 @@
         </p:nvSpPr>
         <p:spPr>
           <a:xfrm>
-            <a:off x="6031369" y="3741998"/>
+            <a:off x="6031369" y="4120627"/>
             <a:ext cx="196896" cy="399419"/>
           </a:xfrm>
           <a:custGeom>
@@ -16840,7 +16850,7 @@
         </p:nvSpPr>
         <p:spPr>
           <a:xfrm>
-            <a:off x="6031369" y="3651988"/>
+            <a:off x="6031369" y="4030617"/>
             <a:ext cx="45005" cy="45005"/>
           </a:xfrm>
           <a:custGeom>
@@ -16936,7 +16946,7 @@
         </p:nvSpPr>
         <p:spPr>
           <a:xfrm>
-            <a:off x="6031369" y="4237053"/>
+            <a:off x="6031369" y="4615682"/>
             <a:ext cx="45005" cy="45005"/>
           </a:xfrm>
           <a:custGeom>
@@ -17032,7 +17042,7 @@
         </p:nvSpPr>
         <p:spPr>
           <a:xfrm>
-            <a:off x="5738837" y="3944520"/>
+            <a:off x="5738837" y="4323149"/>
             <a:ext cx="45005" cy="45005"/>
           </a:xfrm>
           <a:custGeom>
@@ -17128,7 +17138,7 @@
         </p:nvSpPr>
         <p:spPr>
           <a:xfrm>
-            <a:off x="6323902" y="3944520"/>
+            <a:off x="6323902" y="4323149"/>
             <a:ext cx="45005" cy="45005"/>
           </a:xfrm>
           <a:custGeom>
@@ -17224,7 +17234,7 @@
         </p:nvSpPr>
         <p:spPr>
           <a:xfrm>
-            <a:off x="5109858" y="3231599"/>
+            <a:off x="5109858" y="3610228"/>
             <a:ext cx="1875907" cy="276999"/>
           </a:xfrm>
           <a:prstGeom prst="rect">
@@ -17244,18 +17254,28 @@
                 <a:latin typeface="Meiryo UI" panose="020B0604030504040204" pitchFamily="34" charset="-128"/>
                 <a:ea typeface="Meiryo UI" panose="020B0604030504040204" pitchFamily="34" charset="-128"/>
               </a:rPr>
-              <a:t>Simulation Time T</a:t>
-            </a:r>
-            <a:r>
-              <a:rPr lang="en-US" altLang="ja-JP" sz="1200" baseline="-25000" dirty="0">
-                <a:latin typeface="Meiryo UI" panose="020B0604030504040204" pitchFamily="34" charset="-128"/>
+              <a:t>Asset Time </a:t>
+            </a:r>
+            <a:r>
+              <a:rPr lang="en-US" altLang="ja-JP" sz="1200" i="1" dirty="0">
+                <a:latin typeface="Times New Roman" panose="02020603050405020304" pitchFamily="18" charset="0"/>
                 <a:ea typeface="Meiryo UI" panose="020B0604030504040204" pitchFamily="34" charset="-128"/>
+                <a:cs typeface="Times New Roman" panose="02020603050405020304" pitchFamily="18" charset="0"/>
+              </a:rPr>
+              <a:t>T</a:t>
+            </a:r>
+            <a:r>
+              <a:rPr lang="en-US" altLang="ja-JP" sz="1200" i="1" baseline="-25000" dirty="0">
+                <a:latin typeface="Times New Roman" panose="02020603050405020304" pitchFamily="18" charset="0"/>
+                <a:ea typeface="Meiryo UI" panose="020B0604030504040204" pitchFamily="34" charset="-128"/>
+                <a:cs typeface="Times New Roman" panose="02020603050405020304" pitchFamily="18" charset="0"/>
               </a:rPr>
               <a:t>2</a:t>
             </a:r>
-            <a:endParaRPr lang="ja-JP" altLang="en-US" sz="1200" baseline="-25000" dirty="0">
-              <a:latin typeface="Meiryo UI" panose="020B0604030504040204" pitchFamily="34" charset="-128"/>
+            <a:endParaRPr lang="ja-JP" altLang="en-US" sz="1200" i="1" baseline="-25000" dirty="0">
+              <a:latin typeface="Times New Roman" panose="02020603050405020304" pitchFamily="18" charset="0"/>
               <a:ea typeface="Meiryo UI" panose="020B0604030504040204" pitchFamily="34" charset="-128"/>
+              <a:cs typeface="Times New Roman" panose="02020603050405020304" pitchFamily="18" charset="0"/>
             </a:endParaRPr>
           </a:p>
         </p:txBody>
@@ -17274,7 +17294,7 @@
         </p:nvSpPr>
         <p:spPr>
           <a:xfrm>
-            <a:off x="8605078" y="3500295"/>
+            <a:off x="8605078" y="3878924"/>
             <a:ext cx="855095" cy="855095"/>
           </a:xfrm>
           <a:custGeom>
@@ -17419,7 +17439,7 @@
         </p:nvSpPr>
         <p:spPr>
           <a:xfrm>
-            <a:off x="9010123" y="3702818"/>
+            <a:off x="9010123" y="4081447"/>
             <a:ext cx="196896" cy="399419"/>
           </a:xfrm>
           <a:custGeom>
@@ -17533,7 +17553,7 @@
         </p:nvSpPr>
         <p:spPr>
           <a:xfrm>
-            <a:off x="9010123" y="3612808"/>
+            <a:off x="9010123" y="3991437"/>
             <a:ext cx="45005" cy="45005"/>
           </a:xfrm>
           <a:custGeom>
@@ -17629,7 +17649,7 @@
         </p:nvSpPr>
         <p:spPr>
           <a:xfrm>
-            <a:off x="9010123" y="4197873"/>
+            <a:off x="9010123" y="4576502"/>
             <a:ext cx="45005" cy="45005"/>
           </a:xfrm>
           <a:custGeom>
@@ -17725,7 +17745,7 @@
         </p:nvSpPr>
         <p:spPr>
           <a:xfrm>
-            <a:off x="8717591" y="3905340"/>
+            <a:off x="8717591" y="4283969"/>
             <a:ext cx="45005" cy="45005"/>
           </a:xfrm>
           <a:custGeom>
@@ -17821,7 +17841,7 @@
         </p:nvSpPr>
         <p:spPr>
           <a:xfrm>
-            <a:off x="9302656" y="3905340"/>
+            <a:off x="9302656" y="4283969"/>
             <a:ext cx="45005" cy="45005"/>
           </a:xfrm>
           <a:custGeom>
@@ -17917,7 +17937,7 @@
         </p:nvSpPr>
         <p:spPr>
           <a:xfrm>
-            <a:off x="8224287" y="3189537"/>
+            <a:off x="8224287" y="3568166"/>
             <a:ext cx="1634011" cy="276999"/>
           </a:xfrm>
           <a:prstGeom prst="rect">
@@ -17937,18 +17957,28 @@
                 <a:latin typeface="Meiryo UI" panose="020B0604030504040204" pitchFamily="34" charset="-128"/>
                 <a:ea typeface="Meiryo UI" panose="020B0604030504040204" pitchFamily="34" charset="-128"/>
               </a:rPr>
-              <a:t>Simulation Time T</a:t>
-            </a:r>
-            <a:r>
-              <a:rPr lang="en-US" altLang="ja-JP" sz="1200" baseline="-25000" dirty="0">
-                <a:latin typeface="Meiryo UI" panose="020B0604030504040204" pitchFamily="34" charset="-128"/>
+              <a:t>Asset Time </a:t>
+            </a:r>
+            <a:r>
+              <a:rPr lang="en-US" altLang="ja-JP" sz="1200" i="1" dirty="0">
+                <a:latin typeface="Times New Roman" panose="02020603050405020304" pitchFamily="18" charset="0"/>
                 <a:ea typeface="Meiryo UI" panose="020B0604030504040204" pitchFamily="34" charset="-128"/>
+                <a:cs typeface="Times New Roman" panose="02020603050405020304" pitchFamily="18" charset="0"/>
+              </a:rPr>
+              <a:t>T</a:t>
+            </a:r>
+            <a:r>
+              <a:rPr lang="en-US" altLang="ja-JP" sz="1200" i="1" baseline="-25000" dirty="0">
+                <a:latin typeface="Times New Roman" panose="02020603050405020304" pitchFamily="18" charset="0"/>
+                <a:ea typeface="Meiryo UI" panose="020B0604030504040204" pitchFamily="34" charset="-128"/>
+                <a:cs typeface="Times New Roman" panose="02020603050405020304" pitchFamily="18" charset="0"/>
               </a:rPr>
               <a:t>3</a:t>
             </a:r>
-            <a:endParaRPr lang="ja-JP" altLang="en-US" sz="1200" baseline="-25000" dirty="0">
-              <a:latin typeface="Meiryo UI" panose="020B0604030504040204" pitchFamily="34" charset="-128"/>
+            <a:endParaRPr lang="ja-JP" altLang="en-US" sz="1200" i="1" baseline="-25000" dirty="0">
+              <a:latin typeface="Times New Roman" panose="02020603050405020304" pitchFamily="18" charset="0"/>
               <a:ea typeface="Meiryo UI" panose="020B0604030504040204" pitchFamily="34" charset="-128"/>
+              <a:cs typeface="Times New Roman" panose="02020603050405020304" pitchFamily="18" charset="0"/>
             </a:endParaRPr>
           </a:p>
         </p:txBody>
@@ -17967,7 +17997,7 @@
         </p:nvSpPr>
         <p:spPr>
           <a:xfrm rot="16200000">
-            <a:off x="5891941" y="-760380"/>
+            <a:off x="5891941" y="-381751"/>
             <a:ext cx="321998" cy="6538615"/>
           </a:xfrm>
           <a:prstGeom prst="rightBrace">
@@ -18014,7 +18044,7 @@
         </p:nvSpPr>
         <p:spPr>
           <a:xfrm>
-            <a:off x="4367808" y="1340768"/>
+            <a:off x="4367808" y="1719397"/>
             <a:ext cx="3240360" cy="971278"/>
           </a:xfrm>
           <a:prstGeom prst="flowChartAlternateProcess">
@@ -18156,6 +18186,268 @@
           </a:p>
         </p:txBody>
       </p:sp>
+      <p:pic>
+        <p:nvPicPr>
+          <p:cNvPr id="7" name="グラフィックス 6" descr="指揮者">
+            <a:extLst>
+              <a:ext uri="{FF2B5EF4-FFF2-40B4-BE49-F238E27FC236}">
+                <a16:creationId xmlns:a16="http://schemas.microsoft.com/office/drawing/2014/main" id="{7248C219-46F6-574E-D5B9-83D71E8B6101}"/>
+              </a:ext>
+            </a:extLst>
+          </p:cNvPr>
+          <p:cNvPicPr>
+            <a:picLocks noChangeAspect="1"/>
+          </p:cNvPicPr>
+          <p:nvPr/>
+        </p:nvPicPr>
+        <p:blipFill>
+          <a:blip r:embed="rId2">
+            <a:extLst>
+              <a:ext uri="{28A0092B-C50C-407E-A947-70E740481C1C}">
+                <a14:useLocalDpi xmlns:a14="http://schemas.microsoft.com/office/drawing/2010/main" val="0"/>
+              </a:ext>
+              <a:ext uri="{96DAC541-7B7A-43D3-8B79-37D633B846F1}">
+                <asvg:svgBlip xmlns:asvg="http://schemas.microsoft.com/office/drawing/2016/SVG/main" r:embed="rId3"/>
+              </a:ext>
+            </a:extLst>
+          </a:blip>
+          <a:stretch>
+            <a:fillRect/>
+          </a:stretch>
+        </p:blipFill>
+        <p:spPr>
+          <a:xfrm>
+            <a:off x="7690678" y="1298105"/>
+            <a:ext cx="914400" cy="914400"/>
+          </a:xfrm>
+          <a:prstGeom prst="rect">
+            <a:avLst/>
+          </a:prstGeom>
+        </p:spPr>
+      </p:pic>
+      <p:pic>
+        <p:nvPicPr>
+          <p:cNvPr id="8" name="グラフィックス 7" descr="バイオリン">
+            <a:extLst>
+              <a:ext uri="{FF2B5EF4-FFF2-40B4-BE49-F238E27FC236}">
+                <a16:creationId xmlns:a16="http://schemas.microsoft.com/office/drawing/2014/main" id="{0EFEA0BC-22FB-7ED1-38D8-EA7B97EEFE14}"/>
+              </a:ext>
+            </a:extLst>
+          </p:cNvPr>
+          <p:cNvPicPr>
+            <a:picLocks noChangeAspect="1"/>
+          </p:cNvPicPr>
+          <p:nvPr/>
+        </p:nvPicPr>
+        <p:blipFill>
+          <a:blip r:embed="rId4">
+            <a:extLst>
+              <a:ext uri="{28A0092B-C50C-407E-A947-70E740481C1C}">
+                <a14:useLocalDpi xmlns:a14="http://schemas.microsoft.com/office/drawing/2010/main" val="0"/>
+              </a:ext>
+              <a:ext uri="{96DAC541-7B7A-43D3-8B79-37D633B846F1}">
+                <asvg:svgBlip xmlns:asvg="http://schemas.microsoft.com/office/drawing/2016/SVG/main" r:embed="rId5"/>
+              </a:ext>
+            </a:extLst>
+          </a:blip>
+          <a:stretch>
+            <a:fillRect/>
+          </a:stretch>
+        </p:blipFill>
+        <p:spPr>
+          <a:xfrm>
+            <a:off x="3540109" y="4312304"/>
+            <a:ext cx="557548" cy="557548"/>
+          </a:xfrm>
+          <a:prstGeom prst="rect">
+            <a:avLst/>
+          </a:prstGeom>
+        </p:spPr>
+      </p:pic>
+      <p:pic>
+        <p:nvPicPr>
+          <p:cNvPr id="9" name="グラフィックス 8" descr="ドラム">
+            <a:extLst>
+              <a:ext uri="{FF2B5EF4-FFF2-40B4-BE49-F238E27FC236}">
+                <a16:creationId xmlns:a16="http://schemas.microsoft.com/office/drawing/2014/main" id="{6C90556B-C1F2-8BCE-256C-79F574BC20E5}"/>
+              </a:ext>
+            </a:extLst>
+          </p:cNvPr>
+          <p:cNvPicPr>
+            <a:picLocks noChangeAspect="1"/>
+          </p:cNvPicPr>
+          <p:nvPr/>
+        </p:nvPicPr>
+        <p:blipFill>
+          <a:blip r:embed="rId6">
+            <a:extLst>
+              <a:ext uri="{28A0092B-C50C-407E-A947-70E740481C1C}">
+                <a14:useLocalDpi xmlns:a14="http://schemas.microsoft.com/office/drawing/2010/main" val="0"/>
+              </a:ext>
+              <a:ext uri="{96DAC541-7B7A-43D3-8B79-37D633B846F1}">
+                <asvg:svgBlip xmlns:asvg="http://schemas.microsoft.com/office/drawing/2016/SVG/main" r:embed="rId7"/>
+              </a:ext>
+            </a:extLst>
+          </a:blip>
+          <a:stretch>
+            <a:fillRect/>
+          </a:stretch>
+        </p:blipFill>
+        <p:spPr>
+          <a:xfrm>
+            <a:off x="6593371" y="4381913"/>
+            <a:ext cx="557548" cy="557548"/>
+          </a:xfrm>
+          <a:prstGeom prst="rect">
+            <a:avLst/>
+          </a:prstGeom>
+        </p:spPr>
+      </p:pic>
+      <p:pic>
+        <p:nvPicPr>
+          <p:cNvPr id="10" name="グラフィックス 9" descr="サックス">
+            <a:extLst>
+              <a:ext uri="{FF2B5EF4-FFF2-40B4-BE49-F238E27FC236}">
+                <a16:creationId xmlns:a16="http://schemas.microsoft.com/office/drawing/2014/main" id="{0389894E-96D2-D008-8B38-021CCF0C03C8}"/>
+              </a:ext>
+            </a:extLst>
+          </p:cNvPr>
+          <p:cNvPicPr>
+            <a:picLocks noChangeAspect="1"/>
+          </p:cNvPicPr>
+          <p:nvPr/>
+        </p:nvPicPr>
+        <p:blipFill>
+          <a:blip r:embed="rId8">
+            <a:extLst>
+              <a:ext uri="{28A0092B-C50C-407E-A947-70E740481C1C}">
+                <a14:useLocalDpi xmlns:a14="http://schemas.microsoft.com/office/drawing/2010/main" val="0"/>
+              </a:ext>
+              <a:ext uri="{96DAC541-7B7A-43D3-8B79-37D633B846F1}">
+                <asvg:svgBlip xmlns:asvg="http://schemas.microsoft.com/office/drawing/2016/SVG/main" r:embed="rId9"/>
+              </a:ext>
+            </a:extLst>
+          </a:blip>
+          <a:stretch>
+            <a:fillRect/>
+          </a:stretch>
+        </p:blipFill>
+        <p:spPr>
+          <a:xfrm>
+            <a:off x="9535002" y="4372987"/>
+            <a:ext cx="557548" cy="557548"/>
+          </a:xfrm>
+          <a:prstGeom prst="rect">
+            <a:avLst/>
+          </a:prstGeom>
+        </p:spPr>
+      </p:pic>
+      <p:sp>
+        <p:nvSpPr>
+          <p:cNvPr id="13" name="テキスト ボックス 12">
+            <a:extLst>
+              <a:ext uri="{FF2B5EF4-FFF2-40B4-BE49-F238E27FC236}">
+                <a16:creationId xmlns:a16="http://schemas.microsoft.com/office/drawing/2014/main" id="{3B86178E-1DE8-1422-EBD0-0161D42030CA}"/>
+              </a:ext>
+            </a:extLst>
+          </p:cNvPr>
+          <p:cNvSpPr txBox="1"/>
+          <p:nvPr/>
+        </p:nvSpPr>
+        <p:spPr>
+          <a:xfrm>
+            <a:off x="8293464" y="2495938"/>
+            <a:ext cx="1634011" cy="276999"/>
+          </a:xfrm>
+          <a:prstGeom prst="rect">
+            <a:avLst/>
+          </a:prstGeom>
+          <a:noFill/>
+        </p:spPr>
+        <p:txBody>
+          <a:bodyPr wrap="square" rtlCol="0">
+            <a:spAutoFit/>
+          </a:bodyPr>
+          <a:lstStyle/>
+          <a:p>
+            <a:pPr algn="ctr"/>
+            <a:r>
+              <a:rPr lang="en-US" altLang="ja-JP" sz="1200" dirty="0">
+                <a:latin typeface="Meiryo UI" panose="020B0604030504040204" pitchFamily="34" charset="-128"/>
+                <a:ea typeface="Meiryo UI" panose="020B0604030504040204" pitchFamily="34" charset="-128"/>
+              </a:rPr>
+              <a:t>Core Time </a:t>
+            </a:r>
+            <a:r>
+              <a:rPr lang="en-US" altLang="ja-JP" sz="1200" i="1" dirty="0">
+                <a:latin typeface="Times New Roman" panose="02020603050405020304" pitchFamily="18" charset="0"/>
+                <a:ea typeface="Meiryo UI" panose="020B0604030504040204" pitchFamily="34" charset="-128"/>
+                <a:cs typeface="Times New Roman" panose="02020603050405020304" pitchFamily="18" charset="0"/>
+              </a:rPr>
+              <a:t>T</a:t>
+            </a:r>
+            <a:r>
+              <a:rPr lang="en-US" altLang="ja-JP" sz="1200" i="1" baseline="-25000" dirty="0">
+                <a:latin typeface="Times New Roman" panose="02020603050405020304" pitchFamily="18" charset="0"/>
+                <a:ea typeface="Meiryo UI" panose="020B0604030504040204" pitchFamily="34" charset="-128"/>
+                <a:cs typeface="Times New Roman" panose="02020603050405020304" pitchFamily="18" charset="0"/>
+              </a:rPr>
+              <a:t>c</a:t>
+            </a:r>
+            <a:endParaRPr lang="ja-JP" altLang="en-US" sz="1200" i="1" baseline="-25000" dirty="0">
+              <a:latin typeface="Times New Roman" panose="02020603050405020304" pitchFamily="18" charset="0"/>
+              <a:ea typeface="Meiryo UI" panose="020B0604030504040204" pitchFamily="34" charset="-128"/>
+              <a:cs typeface="Times New Roman" panose="02020603050405020304" pitchFamily="18" charset="0"/>
+            </a:endParaRPr>
+          </a:p>
+        </p:txBody>
+      </p:sp>
+      <p:pic>
+        <p:nvPicPr>
+          <p:cNvPr id="14" name="コンテンツ プレースホルダー 7" descr="時計">
+            <a:extLst>
+              <a:ext uri="{FF2B5EF4-FFF2-40B4-BE49-F238E27FC236}">
+                <a16:creationId xmlns:a16="http://schemas.microsoft.com/office/drawing/2014/main" id="{A722B95C-D116-4683-6303-CDB691980902}"/>
+              </a:ext>
+            </a:extLst>
+          </p:cNvPr>
+          <p:cNvPicPr>
+            <a:picLocks noChangeAspect="1"/>
+          </p:cNvPicPr>
+          <p:nvPr/>
+        </p:nvPicPr>
+        <p:blipFill>
+          <a:blip r:embed="rId10">
+            <a:extLst>
+              <a:ext uri="{28A0092B-C50C-407E-A947-70E740481C1C}">
+                <a14:useLocalDpi xmlns:a14="http://schemas.microsoft.com/office/drawing/2010/main" val="0"/>
+              </a:ext>
+              <a:ext uri="{96DAC541-7B7A-43D3-8B79-37D633B846F1}">
+                <asvg:svgBlip xmlns:asvg="http://schemas.microsoft.com/office/drawing/2016/SVG/main" r:embed="rId11"/>
+              </a:ext>
+            </a:extLst>
+          </a:blip>
+          <a:stretch>
+            <a:fillRect/>
+          </a:stretch>
+        </p:blipFill>
+        <p:spPr bwMode="auto">
+          <a:xfrm>
+            <a:off x="7775270" y="2072652"/>
+            <a:ext cx="745215" cy="745215"/>
+          </a:xfrm>
+          <a:prstGeom prst="rect">
+            <a:avLst/>
+          </a:prstGeom>
+          <a:noFill/>
+          <a:ln w="9525">
+            <a:noFill/>
+            <a:miter lim="800000"/>
+            <a:headEnd/>
+            <a:tailEnd/>
+          </a:ln>
+        </p:spPr>
+      </p:pic>
     </p:spTree>
     <p:extLst>
       <p:ext uri="{BB962C8B-B14F-4D97-AF65-F5344CB8AC3E}">
@@ -21311,7 +21603,7 @@
                 <a:latin typeface="Meiryo UI" panose="020B0604030504040204" pitchFamily="34" charset="-128"/>
                 <a:ea typeface="Meiryo UI" panose="020B0604030504040204" pitchFamily="34" charset="-128"/>
               </a:rPr>
-              <a:t>シミュレーション時間同期のためのピンポンはしない．ミュレータのベスト・エフォートでの並列同期を実施</a:t>
+              <a:t>シミュレーション時間同期のためのピンポンはしない．シミュレータのベスト・エフォートでの並列同期を実施</a:t>
             </a:r>
           </a:p>
         </p:txBody>

--- a/math/Hakoniwa-time.pptx
+++ b/math/Hakoniwa-time.pptx
@@ -304,7 +304,7 @@
               <a:pPr>
                 <a:defRPr/>
               </a:pPr>
-              <a:t>2024/10/16</a:t>
+              <a:t>2025/1/10</a:t>
             </a:fld>
             <a:endParaRPr lang="ja-JP" altLang="en-US" dirty="0"/>
           </a:p>
@@ -989,7 +989,7 @@
           <a:p>
             <a:fld id="{1733E518-4B2E-46CC-A779-D7A67A1295D7}" type="datetimeFigureOut">
               <a:rPr kumimoji="1" lang="ja-JP" altLang="en-US" smtClean="0"/>
-              <a:t>2024/10/16</a:t>
+              <a:t>2025/1/10</a:t>
             </a:fld>
             <a:endParaRPr kumimoji="1" lang="ja-JP" altLang="en-US"/>
           </a:p>
@@ -1189,7 +1189,7 @@
           <a:p>
             <a:fld id="{1733E518-4B2E-46CC-A779-D7A67A1295D7}" type="datetimeFigureOut">
               <a:rPr kumimoji="1" lang="ja-JP" altLang="en-US" smtClean="0"/>
-              <a:t>2024/10/16</a:t>
+              <a:t>2025/1/10</a:t>
             </a:fld>
             <a:endParaRPr kumimoji="1" lang="ja-JP" altLang="en-US"/>
           </a:p>
@@ -1399,7 +1399,7 @@
           <a:p>
             <a:fld id="{1733E518-4B2E-46CC-A779-D7A67A1295D7}" type="datetimeFigureOut">
               <a:rPr kumimoji="1" lang="ja-JP" altLang="en-US" smtClean="0"/>
-              <a:t>2024/10/16</a:t>
+              <a:t>2025/1/10</a:t>
             </a:fld>
             <a:endParaRPr kumimoji="1" lang="ja-JP" altLang="en-US"/>
           </a:p>
@@ -3803,7 +3803,7 @@
           <a:p>
             <a:fld id="{1733E518-4B2E-46CC-A779-D7A67A1295D7}" type="datetimeFigureOut">
               <a:rPr kumimoji="1" lang="ja-JP" altLang="en-US" smtClean="0"/>
-              <a:t>2024/10/16</a:t>
+              <a:t>2025/1/10</a:t>
             </a:fld>
             <a:endParaRPr kumimoji="1" lang="ja-JP" altLang="en-US"/>
           </a:p>
@@ -5290,7 +5290,7 @@
           <a:p>
             <a:fld id="{1733E518-4B2E-46CC-A779-D7A67A1295D7}" type="datetimeFigureOut">
               <a:rPr kumimoji="1" lang="ja-JP" altLang="en-US" smtClean="0"/>
-              <a:t>2024/10/16</a:t>
+              <a:t>2025/1/10</a:t>
             </a:fld>
             <a:endParaRPr kumimoji="1" lang="ja-JP" altLang="en-US"/>
           </a:p>
@@ -5639,7 +5639,7 @@
           <a:p>
             <a:fld id="{1733E518-4B2E-46CC-A779-D7A67A1295D7}" type="datetimeFigureOut">
               <a:rPr kumimoji="1" lang="ja-JP" altLang="en-US" smtClean="0"/>
-              <a:t>2024/10/16</a:t>
+              <a:t>2025/1/10</a:t>
             </a:fld>
             <a:endParaRPr kumimoji="1" lang="ja-JP" altLang="en-US"/>
           </a:p>
@@ -6122,7 +6122,7 @@
           <a:p>
             <a:fld id="{1733E518-4B2E-46CC-A779-D7A67A1295D7}" type="datetimeFigureOut">
               <a:rPr kumimoji="1" lang="ja-JP" altLang="en-US" smtClean="0"/>
-              <a:t>2024/10/16</a:t>
+              <a:t>2025/1/10</a:t>
             </a:fld>
             <a:endParaRPr kumimoji="1" lang="ja-JP" altLang="en-US"/>
           </a:p>
@@ -6239,7 +6239,7 @@
           <a:p>
             <a:fld id="{1733E518-4B2E-46CC-A779-D7A67A1295D7}" type="datetimeFigureOut">
               <a:rPr kumimoji="1" lang="ja-JP" altLang="en-US" smtClean="0"/>
-              <a:t>2024/10/16</a:t>
+              <a:t>2025/1/10</a:t>
             </a:fld>
             <a:endParaRPr kumimoji="1" lang="ja-JP" altLang="en-US"/>
           </a:p>
@@ -6334,7 +6334,7 @@
           <a:p>
             <a:fld id="{1733E518-4B2E-46CC-A779-D7A67A1295D7}" type="datetimeFigureOut">
               <a:rPr kumimoji="1" lang="ja-JP" altLang="en-US" smtClean="0"/>
-              <a:t>2024/10/16</a:t>
+              <a:t>2025/1/10</a:t>
             </a:fld>
             <a:endParaRPr kumimoji="1" lang="ja-JP" altLang="en-US"/>
           </a:p>
@@ -6641,7 +6641,7 @@
           <a:p>
             <a:fld id="{1733E518-4B2E-46CC-A779-D7A67A1295D7}" type="datetimeFigureOut">
               <a:rPr kumimoji="1" lang="ja-JP" altLang="en-US" smtClean="0"/>
-              <a:t>2024/10/16</a:t>
+              <a:t>2025/1/10</a:t>
             </a:fld>
             <a:endParaRPr kumimoji="1" lang="ja-JP" altLang="en-US"/>
           </a:p>
@@ -6893,7 +6893,7 @@
           <a:p>
             <a:fld id="{1733E518-4B2E-46CC-A779-D7A67A1295D7}" type="datetimeFigureOut">
               <a:rPr kumimoji="1" lang="ja-JP" altLang="en-US" smtClean="0"/>
-              <a:t>2024/10/16</a:t>
+              <a:t>2025/1/10</a:t>
             </a:fld>
             <a:endParaRPr kumimoji="1" lang="ja-JP" altLang="en-US"/>
           </a:p>
@@ -7136,7 +7136,7 @@
           <a:p>
             <a:fld id="{1733E518-4B2E-46CC-A779-D7A67A1295D7}" type="datetimeFigureOut">
               <a:rPr kumimoji="1" lang="ja-JP" altLang="en-US" smtClean="0"/>
-              <a:t>2024/10/16</a:t>
+              <a:t>2025/1/10</a:t>
             </a:fld>
             <a:endParaRPr kumimoji="1" lang="ja-JP" altLang="en-US"/>
           </a:p>
@@ -8918,96 +8918,6 @@
             </a:prstGeom>
           </p:spPr>
         </p:pic>
-        <p:pic>
-          <p:nvPicPr>
-            <p:cNvPr id="25" name="図 24">
-              <a:extLst>
-                <a:ext uri="{FF2B5EF4-FFF2-40B4-BE49-F238E27FC236}">
-                  <a16:creationId xmlns:a16="http://schemas.microsoft.com/office/drawing/2014/main" id="{ADCEDBAA-50AD-C687-8A5B-044174338961}"/>
-                </a:ext>
-              </a:extLst>
-            </p:cNvPr>
-            <p:cNvPicPr>
-              <a:picLocks noChangeAspect="1"/>
-            </p:cNvPicPr>
-            <p:nvPr/>
-          </p:nvPicPr>
-          <p:blipFill>
-            <a:blip r:embed="rId7"/>
-            <a:stretch>
-              <a:fillRect/>
-            </a:stretch>
-          </p:blipFill>
-          <p:spPr>
-            <a:xfrm>
-              <a:off x="7608168" y="4581128"/>
-              <a:ext cx="3591520" cy="483070"/>
-            </a:xfrm>
-            <a:prstGeom prst="rect">
-              <a:avLst/>
-            </a:prstGeom>
-          </p:spPr>
-        </p:pic>
-        <p:pic>
-          <p:nvPicPr>
-            <p:cNvPr id="26" name="図 25">
-              <a:extLst>
-                <a:ext uri="{FF2B5EF4-FFF2-40B4-BE49-F238E27FC236}">
-                  <a16:creationId xmlns:a16="http://schemas.microsoft.com/office/drawing/2014/main" id="{E6BE6A32-D04C-C892-8520-D5D3EFB6D85B}"/>
-                </a:ext>
-              </a:extLst>
-            </p:cNvPr>
-            <p:cNvPicPr>
-              <a:picLocks noChangeAspect="1"/>
-            </p:cNvPicPr>
-            <p:nvPr/>
-          </p:nvPicPr>
-          <p:blipFill>
-            <a:blip r:embed="rId8"/>
-            <a:stretch>
-              <a:fillRect/>
-            </a:stretch>
-          </p:blipFill>
-          <p:spPr>
-            <a:xfrm>
-              <a:off x="6744072" y="5085184"/>
-              <a:ext cx="5106401" cy="924933"/>
-            </a:xfrm>
-            <a:prstGeom prst="rect">
-              <a:avLst/>
-            </a:prstGeom>
-          </p:spPr>
-        </p:pic>
-        <p:pic>
-          <p:nvPicPr>
-            <p:cNvPr id="27" name="図 26">
-              <a:extLst>
-                <a:ext uri="{FF2B5EF4-FFF2-40B4-BE49-F238E27FC236}">
-                  <a16:creationId xmlns:a16="http://schemas.microsoft.com/office/drawing/2014/main" id="{21083C57-9119-2988-744E-663A0A7EA3FA}"/>
-                </a:ext>
-              </a:extLst>
-            </p:cNvPr>
-            <p:cNvPicPr>
-              <a:picLocks noChangeAspect="1"/>
-            </p:cNvPicPr>
-            <p:nvPr/>
-          </p:nvPicPr>
-          <p:blipFill>
-            <a:blip r:embed="rId9"/>
-            <a:stretch>
-              <a:fillRect/>
-            </a:stretch>
-          </p:blipFill>
-          <p:spPr>
-            <a:xfrm>
-              <a:off x="7509140" y="6048653"/>
-              <a:ext cx="3123364" cy="548699"/>
-            </a:xfrm>
-            <a:prstGeom prst="rect">
-              <a:avLst/>
-            </a:prstGeom>
-          </p:spPr>
-        </p:pic>
         <p:sp>
           <p:nvSpPr>
             <p:cNvPr id="28" name="正方形/長方形 27">
@@ -9285,10 +9195,100 @@
       </p:grpSp>
       <p:pic>
         <p:nvPicPr>
-          <p:cNvPr id="39" name="図 38">
+          <p:cNvPr id="40" name="図 39">
             <a:extLst>
               <a:ext uri="{FF2B5EF4-FFF2-40B4-BE49-F238E27FC236}">
-                <a16:creationId xmlns:a16="http://schemas.microsoft.com/office/drawing/2014/main" id="{3597A713-194F-E85B-FEAE-87489A6C6388}"/>
+                <a16:creationId xmlns:a16="http://schemas.microsoft.com/office/drawing/2014/main" id="{F79EB643-9174-165B-9FDA-340E13C15460}"/>
+              </a:ext>
+            </a:extLst>
+          </p:cNvPr>
+          <p:cNvPicPr>
+            <a:picLocks noChangeAspect="1"/>
+          </p:cNvPicPr>
+          <p:nvPr/>
+        </p:nvPicPr>
+        <p:blipFill>
+          <a:blip r:embed="rId7"/>
+          <a:stretch>
+            <a:fillRect/>
+          </a:stretch>
+        </p:blipFill>
+        <p:spPr>
+          <a:xfrm>
+            <a:off x="9192344" y="1740851"/>
+            <a:ext cx="2059380" cy="275551"/>
+          </a:xfrm>
+          <a:prstGeom prst="rect">
+            <a:avLst/>
+          </a:prstGeom>
+        </p:spPr>
+      </p:pic>
+      <p:pic>
+        <p:nvPicPr>
+          <p:cNvPr id="42" name="図 41">
+            <a:extLst>
+              <a:ext uri="{FF2B5EF4-FFF2-40B4-BE49-F238E27FC236}">
+                <a16:creationId xmlns:a16="http://schemas.microsoft.com/office/drawing/2014/main" id="{4B961D25-C9CB-75AD-0BD3-6E12D7DC9772}"/>
+              </a:ext>
+            </a:extLst>
+          </p:cNvPr>
+          <p:cNvPicPr>
+            <a:picLocks noChangeAspect="1"/>
+          </p:cNvPicPr>
+          <p:nvPr/>
+        </p:nvPicPr>
+        <p:blipFill>
+          <a:blip r:embed="rId8"/>
+          <a:stretch>
+            <a:fillRect/>
+          </a:stretch>
+        </p:blipFill>
+        <p:spPr>
+          <a:xfrm>
+            <a:off x="9247855" y="2105409"/>
+            <a:ext cx="2638025" cy="230647"/>
+          </a:xfrm>
+          <a:prstGeom prst="rect">
+            <a:avLst/>
+          </a:prstGeom>
+        </p:spPr>
+      </p:pic>
+      <p:pic>
+        <p:nvPicPr>
+          <p:cNvPr id="6" name="図 5">
+            <a:extLst>
+              <a:ext uri="{FF2B5EF4-FFF2-40B4-BE49-F238E27FC236}">
+                <a16:creationId xmlns:a16="http://schemas.microsoft.com/office/drawing/2014/main" id="{D22C1A27-79FB-5832-91FC-5792DDFF9A1B}"/>
+              </a:ext>
+            </a:extLst>
+          </p:cNvPr>
+          <p:cNvPicPr>
+            <a:picLocks noChangeAspect="1"/>
+          </p:cNvPicPr>
+          <p:nvPr/>
+        </p:nvPicPr>
+        <p:blipFill>
+          <a:blip r:embed="rId9"/>
+          <a:stretch>
+            <a:fillRect/>
+          </a:stretch>
+        </p:blipFill>
+        <p:spPr>
+          <a:xfrm>
+            <a:off x="6801360" y="4848785"/>
+            <a:ext cx="5038354" cy="848040"/>
+          </a:xfrm>
+          <a:prstGeom prst="rect">
+            <a:avLst/>
+          </a:prstGeom>
+        </p:spPr>
+      </p:pic>
+      <p:pic>
+        <p:nvPicPr>
+          <p:cNvPr id="8" name="図 7">
+            <a:extLst>
+              <a:ext uri="{FF2B5EF4-FFF2-40B4-BE49-F238E27FC236}">
+                <a16:creationId xmlns:a16="http://schemas.microsoft.com/office/drawing/2014/main" id="{F22B50B5-DC04-7C00-4581-B4DAFD58EBEB}"/>
               </a:ext>
             </a:extLst>
           </p:cNvPr>
@@ -9305,8 +9305,8 @@
         </p:blipFill>
         <p:spPr>
           <a:xfrm>
-            <a:off x="9228831" y="2407194"/>
-            <a:ext cx="2051745" cy="301726"/>
+            <a:off x="7348046" y="5865872"/>
+            <a:ext cx="2920688" cy="393169"/>
           </a:xfrm>
           <a:prstGeom prst="rect">
             <a:avLst/>
@@ -9315,10 +9315,10 @@
       </p:pic>
       <p:pic>
         <p:nvPicPr>
-          <p:cNvPr id="40" name="図 39">
+          <p:cNvPr id="9" name="図 8">
             <a:extLst>
               <a:ext uri="{FF2B5EF4-FFF2-40B4-BE49-F238E27FC236}">
-                <a16:creationId xmlns:a16="http://schemas.microsoft.com/office/drawing/2014/main" id="{F79EB643-9174-165B-9FDA-340E13C15460}"/>
+                <a16:creationId xmlns:a16="http://schemas.microsoft.com/office/drawing/2014/main" id="{7507BE4F-BCFE-0D21-7826-041B1586DF0A}"/>
               </a:ext>
             </a:extLst>
           </p:cNvPr>
@@ -9335,38 +9335,8 @@
         </p:blipFill>
         <p:spPr>
           <a:xfrm>
-            <a:off x="9192344" y="1740851"/>
-            <a:ext cx="2059380" cy="275551"/>
-          </a:xfrm>
-          <a:prstGeom prst="rect">
-            <a:avLst/>
-          </a:prstGeom>
-        </p:spPr>
-      </p:pic>
-      <p:pic>
-        <p:nvPicPr>
-          <p:cNvPr id="42" name="図 41">
-            <a:extLst>
-              <a:ext uri="{FF2B5EF4-FFF2-40B4-BE49-F238E27FC236}">
-                <a16:creationId xmlns:a16="http://schemas.microsoft.com/office/drawing/2014/main" id="{4B961D25-C9CB-75AD-0BD3-6E12D7DC9772}"/>
-              </a:ext>
-            </a:extLst>
-          </p:cNvPr>
-          <p:cNvPicPr>
-            <a:picLocks noChangeAspect="1"/>
-          </p:cNvPicPr>
-          <p:nvPr/>
-        </p:nvPicPr>
-        <p:blipFill>
-          <a:blip r:embed="rId12"/>
-          <a:stretch>
-            <a:fillRect/>
-          </a:stretch>
-        </p:blipFill>
-        <p:spPr>
-          <a:xfrm>
-            <a:off x="9247855" y="2105409"/>
-            <a:ext cx="2638025" cy="230647"/>
+            <a:off x="7464152" y="4293096"/>
+            <a:ext cx="3312363" cy="444116"/>
           </a:xfrm>
           <a:prstGeom prst="rect">
             <a:avLst/>
@@ -9466,36 +9436,6 @@
           </a:p>
         </p:txBody>
       </p:sp>
-      <p:pic>
-        <p:nvPicPr>
-          <p:cNvPr id="5" name="図 4">
-            <a:extLst>
-              <a:ext uri="{FF2B5EF4-FFF2-40B4-BE49-F238E27FC236}">
-                <a16:creationId xmlns:a16="http://schemas.microsoft.com/office/drawing/2014/main" id="{C758D2F2-E8DB-476A-9420-1C90827454B2}"/>
-              </a:ext>
-            </a:extLst>
-          </p:cNvPr>
-          <p:cNvPicPr>
-            <a:picLocks noChangeAspect="1"/>
-          </p:cNvPicPr>
-          <p:nvPr/>
-        </p:nvPicPr>
-        <p:blipFill>
-          <a:blip r:embed="rId2"/>
-          <a:stretch>
-            <a:fillRect/>
-          </a:stretch>
-        </p:blipFill>
-        <p:spPr>
-          <a:xfrm>
-            <a:off x="2999656" y="2591829"/>
-            <a:ext cx="5895155" cy="746548"/>
-          </a:xfrm>
-          <a:prstGeom prst="rect">
-            <a:avLst/>
-          </a:prstGeom>
-        </p:spPr>
-      </p:pic>
       <p:sp>
         <p:nvSpPr>
           <p:cNvPr id="6" name="テキスト ボックス 5">
@@ -9765,12 +9705,54 @@
           </a:p>
         </p:txBody>
       </p:sp>
+      <p:sp>
+        <p:nvSpPr>
+          <p:cNvPr id="11" name="テキスト ボックス 10">
+            <a:extLst>
+              <a:ext uri="{FF2B5EF4-FFF2-40B4-BE49-F238E27FC236}">
+                <a16:creationId xmlns:a16="http://schemas.microsoft.com/office/drawing/2014/main" id="{44C27A42-D959-6FE7-7E6E-9A9FB2C88CE8}"/>
+              </a:ext>
+            </a:extLst>
+          </p:cNvPr>
+          <p:cNvSpPr txBox="1"/>
+          <p:nvPr/>
+        </p:nvSpPr>
+        <p:spPr>
+          <a:xfrm>
+            <a:off x="2351584" y="6159008"/>
+            <a:ext cx="7712368" cy="369332"/>
+          </a:xfrm>
+          <a:prstGeom prst="rect">
+            <a:avLst/>
+          </a:prstGeom>
+          <a:noFill/>
+        </p:spPr>
+        <p:txBody>
+          <a:bodyPr wrap="none" rtlCol="0">
+            <a:spAutoFit/>
+          </a:bodyPr>
+          <a:lstStyle/>
+          <a:p>
+            <a:r>
+              <a:rPr kumimoji="1" lang="ja-JP" altLang="en-US"/>
+              <a:t>参照： </a:t>
+            </a:r>
+            <a:r>
+              <a:rPr kumimoji="1" lang="en-US" altLang="ja-JP" dirty="0">
+                <a:hlinkClick r:id="rId2"/>
+              </a:rPr>
+              <a:t>https://github.com/toppers/hakoniwa-core-cpp-client/tree/main/math</a:t>
+            </a:r>
+            <a:endParaRPr kumimoji="1" lang="en-US" altLang="ja-JP" dirty="0"/>
+          </a:p>
+        </p:txBody>
+      </p:sp>
       <p:pic>
         <p:nvPicPr>
-          <p:cNvPr id="10" name="図 9">
+          <p:cNvPr id="4" name="図 3">
             <a:extLst>
               <a:ext uri="{FF2B5EF4-FFF2-40B4-BE49-F238E27FC236}">
-                <a16:creationId xmlns:a16="http://schemas.microsoft.com/office/drawing/2014/main" id="{181D89C5-C055-CA3E-75D9-EE57826C6D31}"/>
+                <a16:creationId xmlns:a16="http://schemas.microsoft.com/office/drawing/2014/main" id="{493BC00F-AE93-6FAE-D341-C7D5E93254EB}"/>
               </a:ext>
             </a:extLst>
           </p:cNvPr>
@@ -9787,56 +9769,44 @@
         </p:blipFill>
         <p:spPr>
           <a:xfrm>
-            <a:off x="3565353" y="4999218"/>
-            <a:ext cx="4786986" cy="662030"/>
+            <a:off x="2855640" y="2776632"/>
+            <a:ext cx="6632398" cy="652367"/>
           </a:xfrm>
           <a:prstGeom prst="rect">
             <a:avLst/>
           </a:prstGeom>
         </p:spPr>
       </p:pic>
-      <p:sp>
-        <p:nvSpPr>
-          <p:cNvPr id="11" name="テキスト ボックス 10">
+      <p:pic>
+        <p:nvPicPr>
+          <p:cNvPr id="12" name="図 11">
             <a:extLst>
               <a:ext uri="{FF2B5EF4-FFF2-40B4-BE49-F238E27FC236}">
-                <a16:creationId xmlns:a16="http://schemas.microsoft.com/office/drawing/2014/main" id="{44C27A42-D959-6FE7-7E6E-9A9FB2C88CE8}"/>
+                <a16:creationId xmlns:a16="http://schemas.microsoft.com/office/drawing/2014/main" id="{10A21067-0E91-1C4B-5A8F-9BFE7AEDC0B1}"/>
               </a:ext>
             </a:extLst>
           </p:cNvPr>
-          <p:cNvSpPr txBox="1"/>
+          <p:cNvPicPr>
+            <a:picLocks noChangeAspect="1"/>
+          </p:cNvPicPr>
           <p:nvPr/>
-        </p:nvSpPr>
+        </p:nvPicPr>
+        <p:blipFill>
+          <a:blip r:embed="rId4"/>
+          <a:stretch>
+            <a:fillRect/>
+          </a:stretch>
+        </p:blipFill>
         <p:spPr>
           <a:xfrm>
-            <a:off x="2351584" y="6159008"/>
-            <a:ext cx="7712368" cy="369332"/>
+            <a:off x="3287688" y="5174266"/>
+            <a:ext cx="5617850" cy="558990"/>
           </a:xfrm>
           <a:prstGeom prst="rect">
             <a:avLst/>
           </a:prstGeom>
-          <a:noFill/>
-        </p:spPr>
-        <p:txBody>
-          <a:bodyPr wrap="none" rtlCol="0">
-            <a:spAutoFit/>
-          </a:bodyPr>
-          <a:lstStyle/>
-          <a:p>
-            <a:r>
-              <a:rPr kumimoji="1" lang="ja-JP" altLang="en-US"/>
-              <a:t>参照： </a:t>
-            </a:r>
-            <a:r>
-              <a:rPr kumimoji="1" lang="en-US" altLang="ja-JP" dirty="0">
-                <a:hlinkClick r:id="rId4"/>
-              </a:rPr>
-              <a:t>https://github.com/toppers/hakoniwa-core-cpp-client/tree/main/math</a:t>
-            </a:r>
-            <a:endParaRPr kumimoji="1" lang="en-US" altLang="ja-JP" dirty="0"/>
-          </a:p>
-        </p:txBody>
-      </p:sp>
+        </p:spPr>
+      </p:pic>
     </p:spTree>
     <p:extLst>
       <p:ext uri="{BB962C8B-B14F-4D97-AF65-F5344CB8AC3E}">
@@ -9951,9 +9921,9 @@
         <p:grpSpPr>
           <a:xfrm>
             <a:off x="1271464" y="1390036"/>
-            <a:ext cx="9000995" cy="4938364"/>
+            <a:ext cx="9000995" cy="4870616"/>
             <a:chOff x="3143161" y="2132856"/>
-            <a:chExt cx="6766700" cy="3202399"/>
+            <a:chExt cx="6766700" cy="3158466"/>
           </a:xfrm>
         </p:grpSpPr>
         <p:grpSp>
@@ -9971,9 +9941,9 @@
           <p:grpSpPr>
             <a:xfrm>
               <a:off x="3143161" y="2132856"/>
-              <a:ext cx="6766700" cy="3202399"/>
+              <a:ext cx="6766700" cy="3158466"/>
               <a:chOff x="3143161" y="2204864"/>
-              <a:chExt cx="6766700" cy="3202399"/>
+              <a:chExt cx="6766700" cy="3158466"/>
             </a:xfrm>
           </p:grpSpPr>
           <p:sp>
@@ -10740,9 +10710,9 @@
             <p:grpSpPr>
               <a:xfrm>
                 <a:off x="3557277" y="3326219"/>
-                <a:ext cx="2009371" cy="2081044"/>
+                <a:ext cx="2009371" cy="2037111"/>
                 <a:chOff x="3667216" y="2380114"/>
-                <a:chExt cx="879804" cy="2081044"/>
+                <a:chExt cx="879804" cy="2037111"/>
               </a:xfrm>
             </p:grpSpPr>
             <p:cxnSp>
@@ -10807,7 +10777,7 @@
               <p:spPr>
                 <a:xfrm>
                   <a:off x="3981870" y="4117847"/>
-                  <a:ext cx="265753" cy="343311"/>
+                  <a:ext cx="254433" cy="299378"/>
                 </a:xfrm>
                 <a:prstGeom prst="rect">
                   <a:avLst/>
@@ -10825,7 +10795,7 @@
                       <a:latin typeface="Times New Roman" panose="02020603050405020304" pitchFamily="18" charset="0"/>
                       <a:cs typeface="Times New Roman" panose="02020603050405020304" pitchFamily="18" charset="0"/>
                     </a:rPr>
-                    <a:t>d</a:t>
+                    <a:t>D</a:t>
                   </a:r>
                   <a:r>
                     <a:rPr lang="en-US" altLang="ja-JP" sz="2400" b="1" i="1" baseline="-25000">
@@ -11099,7 +11069,7 @@
             <p:spPr>
               <a:xfrm>
                 <a:off x="5752022" y="3604025"/>
-                <a:ext cx="3724775" cy="343311"/>
+                <a:ext cx="3299931" cy="299378"/>
               </a:xfrm>
               <a:prstGeom prst="rect">
                 <a:avLst/>
@@ -11195,7 +11165,7 @@
                     <a:latin typeface="Times New Roman" panose="02020603050405020304" pitchFamily="18" charset="0"/>
                     <a:cs typeface="Times New Roman" panose="02020603050405020304" pitchFamily="18" charset="0"/>
                   </a:rPr>
-                  <a:t>+ d</a:t>
+                  <a:t>+ D</a:t>
                 </a:r>
                 <a:r>
                   <a:rPr lang="en-US" altLang="ja-JP" sz="2400" b="1" i="1" baseline="-25000">
@@ -11373,7 +11343,7 @@
             <p:spPr>
               <a:xfrm>
                 <a:off x="5715472" y="4818103"/>
-                <a:ext cx="3532354" cy="343311"/>
+                <a:ext cx="3132134" cy="299378"/>
               </a:xfrm>
               <a:prstGeom prst="rect">
                 <a:avLst/>
@@ -11426,11 +11396,11 @@
                   <a:t>≦ </a:t>
                 </a:r>
                 <a:r>
-                  <a:rPr kumimoji="1" lang="en-US" altLang="ja-JP" sz="2400" b="1" i="1">
+                  <a:rPr lang="en-US" altLang="ja-JP" sz="2400" b="1" i="1">
                     <a:latin typeface="Times New Roman" panose="02020603050405020304" pitchFamily="18" charset="0"/>
                     <a:cs typeface="Times New Roman" panose="02020603050405020304" pitchFamily="18" charset="0"/>
                   </a:rPr>
-                  <a:t>d</a:t>
+                  <a:t>D</a:t>
                 </a:r>
                 <a:r>
                   <a:rPr lang="en-US" altLang="ja-JP" sz="2400" b="1" i="1" baseline="-25000">

--- a/math/Hakoniwa-time.pptx
+++ b/math/Hakoniwa-time.pptx
@@ -304,7 +304,7 @@
               <a:pPr>
                 <a:defRPr/>
               </a:pPr>
-              <a:t>2025/1/10</a:t>
+              <a:t>2025/1/11</a:t>
             </a:fld>
             <a:endParaRPr lang="ja-JP" altLang="en-US" dirty="0"/>
           </a:p>
@@ -989,7 +989,7 @@
           <a:p>
             <a:fld id="{1733E518-4B2E-46CC-A779-D7A67A1295D7}" type="datetimeFigureOut">
               <a:rPr kumimoji="1" lang="ja-JP" altLang="en-US" smtClean="0"/>
-              <a:t>2025/1/10</a:t>
+              <a:t>2025/1/11</a:t>
             </a:fld>
             <a:endParaRPr kumimoji="1" lang="ja-JP" altLang="en-US"/>
           </a:p>
@@ -1189,7 +1189,7 @@
           <a:p>
             <a:fld id="{1733E518-4B2E-46CC-A779-D7A67A1295D7}" type="datetimeFigureOut">
               <a:rPr kumimoji="1" lang="ja-JP" altLang="en-US" smtClean="0"/>
-              <a:t>2025/1/10</a:t>
+              <a:t>2025/1/11</a:t>
             </a:fld>
             <a:endParaRPr kumimoji="1" lang="ja-JP" altLang="en-US"/>
           </a:p>
@@ -1399,7 +1399,7 @@
           <a:p>
             <a:fld id="{1733E518-4B2E-46CC-A779-D7A67A1295D7}" type="datetimeFigureOut">
               <a:rPr kumimoji="1" lang="ja-JP" altLang="en-US" smtClean="0"/>
-              <a:t>2025/1/10</a:t>
+              <a:t>2025/1/11</a:t>
             </a:fld>
             <a:endParaRPr kumimoji="1" lang="ja-JP" altLang="en-US"/>
           </a:p>
@@ -3803,7 +3803,7 @@
           <a:p>
             <a:fld id="{1733E518-4B2E-46CC-A779-D7A67A1295D7}" type="datetimeFigureOut">
               <a:rPr kumimoji="1" lang="ja-JP" altLang="en-US" smtClean="0"/>
-              <a:t>2025/1/10</a:t>
+              <a:t>2025/1/11</a:t>
             </a:fld>
             <a:endParaRPr kumimoji="1" lang="ja-JP" altLang="en-US"/>
           </a:p>
@@ -5290,7 +5290,7 @@
           <a:p>
             <a:fld id="{1733E518-4B2E-46CC-A779-D7A67A1295D7}" type="datetimeFigureOut">
               <a:rPr kumimoji="1" lang="ja-JP" altLang="en-US" smtClean="0"/>
-              <a:t>2025/1/10</a:t>
+              <a:t>2025/1/11</a:t>
             </a:fld>
             <a:endParaRPr kumimoji="1" lang="ja-JP" altLang="en-US"/>
           </a:p>
@@ -5639,7 +5639,7 @@
           <a:p>
             <a:fld id="{1733E518-4B2E-46CC-A779-D7A67A1295D7}" type="datetimeFigureOut">
               <a:rPr kumimoji="1" lang="ja-JP" altLang="en-US" smtClean="0"/>
-              <a:t>2025/1/10</a:t>
+              <a:t>2025/1/11</a:t>
             </a:fld>
             <a:endParaRPr kumimoji="1" lang="ja-JP" altLang="en-US"/>
           </a:p>
@@ -6122,7 +6122,7 @@
           <a:p>
             <a:fld id="{1733E518-4B2E-46CC-A779-D7A67A1295D7}" type="datetimeFigureOut">
               <a:rPr kumimoji="1" lang="ja-JP" altLang="en-US" smtClean="0"/>
-              <a:t>2025/1/10</a:t>
+              <a:t>2025/1/11</a:t>
             </a:fld>
             <a:endParaRPr kumimoji="1" lang="ja-JP" altLang="en-US"/>
           </a:p>
@@ -6239,7 +6239,7 @@
           <a:p>
             <a:fld id="{1733E518-4B2E-46CC-A779-D7A67A1295D7}" type="datetimeFigureOut">
               <a:rPr kumimoji="1" lang="ja-JP" altLang="en-US" smtClean="0"/>
-              <a:t>2025/1/10</a:t>
+              <a:t>2025/1/11</a:t>
             </a:fld>
             <a:endParaRPr kumimoji="1" lang="ja-JP" altLang="en-US"/>
           </a:p>
@@ -6334,7 +6334,7 @@
           <a:p>
             <a:fld id="{1733E518-4B2E-46CC-A779-D7A67A1295D7}" type="datetimeFigureOut">
               <a:rPr kumimoji="1" lang="ja-JP" altLang="en-US" smtClean="0"/>
-              <a:t>2025/1/10</a:t>
+              <a:t>2025/1/11</a:t>
             </a:fld>
             <a:endParaRPr kumimoji="1" lang="ja-JP" altLang="en-US"/>
           </a:p>
@@ -6641,7 +6641,7 @@
           <a:p>
             <a:fld id="{1733E518-4B2E-46CC-A779-D7A67A1295D7}" type="datetimeFigureOut">
               <a:rPr kumimoji="1" lang="ja-JP" altLang="en-US" smtClean="0"/>
-              <a:t>2025/1/10</a:t>
+              <a:t>2025/1/11</a:t>
             </a:fld>
             <a:endParaRPr kumimoji="1" lang="ja-JP" altLang="en-US"/>
           </a:p>
@@ -6893,7 +6893,7 @@
           <a:p>
             <a:fld id="{1733E518-4B2E-46CC-A779-D7A67A1295D7}" type="datetimeFigureOut">
               <a:rPr kumimoji="1" lang="ja-JP" altLang="en-US" smtClean="0"/>
-              <a:t>2025/1/10</a:t>
+              <a:t>2025/1/11</a:t>
             </a:fld>
             <a:endParaRPr kumimoji="1" lang="ja-JP" altLang="en-US"/>
           </a:p>
@@ -7136,7 +7136,7 @@
           <a:p>
             <a:fld id="{1733E518-4B2E-46CC-A779-D7A67A1295D7}" type="datetimeFigureOut">
               <a:rPr kumimoji="1" lang="ja-JP" altLang="en-US" smtClean="0"/>
-              <a:t>2025/1/10</a:t>
+              <a:t>2025/1/11</a:t>
             </a:fld>
             <a:endParaRPr kumimoji="1" lang="ja-JP" altLang="en-US"/>
           </a:p>
@@ -9921,9 +9921,9 @@
         <p:grpSpPr>
           <a:xfrm>
             <a:off x="1271464" y="1390036"/>
-            <a:ext cx="9000995" cy="4870616"/>
+            <a:ext cx="9073009" cy="4870616"/>
             <a:chOff x="3143161" y="2132856"/>
-            <a:chExt cx="6766700" cy="3158466"/>
+            <a:chExt cx="6820838" cy="3158466"/>
           </a:xfrm>
         </p:grpSpPr>
         <p:grpSp>
@@ -9941,11 +9941,66 @@
           <p:grpSpPr>
             <a:xfrm>
               <a:off x="3143161" y="2132856"/>
-              <a:ext cx="6766700" cy="3158466"/>
+              <a:ext cx="6820838" cy="3158466"/>
               <a:chOff x="3143161" y="2204864"/>
-              <a:chExt cx="6766700" cy="3158466"/>
+              <a:chExt cx="6820838" cy="3158466"/>
             </a:xfrm>
           </p:grpSpPr>
+          <p:sp>
+            <p:nvSpPr>
+              <p:cNvPr id="64" name="正方形/長方形 63">
+                <a:extLst>
+                  <a:ext uri="{FF2B5EF4-FFF2-40B4-BE49-F238E27FC236}">
+                    <a16:creationId xmlns:a16="http://schemas.microsoft.com/office/drawing/2014/main" id="{3F8E8A93-3F33-EF25-0A6E-039462A788C0}"/>
+                  </a:ext>
+                </a:extLst>
+              </p:cNvPr>
+              <p:cNvSpPr/>
+              <p:nvPr/>
+            </p:nvSpPr>
+            <p:spPr>
+              <a:xfrm>
+                <a:off x="3924944" y="2335894"/>
+                <a:ext cx="1648967" cy="2318044"/>
+              </a:xfrm>
+              <a:prstGeom prst="rect">
+                <a:avLst/>
+              </a:prstGeom>
+              <a:solidFill>
+                <a:schemeClr val="bg1">
+                  <a:lumMod val="85000"/>
+                </a:schemeClr>
+              </a:solidFill>
+              <a:ln>
+                <a:noFill/>
+                <a:prstDash val="dash"/>
+                <a:headEnd type="none"/>
+                <a:tailEnd type="none"/>
+              </a:ln>
+            </p:spPr>
+            <p:style>
+              <a:lnRef idx="1">
+                <a:schemeClr val="accent1"/>
+              </a:lnRef>
+              <a:fillRef idx="0">
+                <a:schemeClr val="accent1"/>
+              </a:fillRef>
+              <a:effectRef idx="0">
+                <a:schemeClr val="accent1"/>
+              </a:effectRef>
+              <a:fontRef idx="minor">
+                <a:schemeClr val="tx1"/>
+              </a:fontRef>
+            </p:style>
+            <p:txBody>
+              <a:bodyPr rtlCol="0" anchor="ctr"/>
+              <a:lstStyle/>
+              <a:p>
+                <a:pPr algn="ctr"/>
+                <a:endParaRPr kumimoji="1" lang="ja-JP" altLang="en-US" sz="2400"/>
+              </a:p>
+            </p:txBody>
+          </p:sp>
           <p:sp>
             <p:nvSpPr>
               <p:cNvPr id="116" name="正方形/長方形 115">
@@ -9960,7 +10015,7 @@
             </p:nvSpPr>
             <p:spPr>
               <a:xfrm>
-                <a:off x="4871864" y="2417333"/>
+                <a:off x="4900997" y="2417333"/>
                 <a:ext cx="678178" cy="2098432"/>
               </a:xfrm>
               <a:prstGeom prst="rect">
@@ -10619,7 +10674,7 @@
             <p:spPr>
               <a:xfrm>
                 <a:off x="4867574" y="4005064"/>
-                <a:ext cx="448026" cy="343311"/>
+                <a:ext cx="365384" cy="299378"/>
               </a:xfrm>
               <a:prstGeom prst="rect">
                 <a:avLst/>
@@ -10644,7 +10699,7 @@
                     <a:latin typeface="Times New Roman" panose="02020603050405020304" pitchFamily="18" charset="0"/>
                     <a:cs typeface="Times New Roman" panose="02020603050405020304" pitchFamily="18" charset="0"/>
                   </a:rPr>
-                  <a:t>N</a:t>
+                  <a:t>n</a:t>
                 </a:r>
                 <a:endParaRPr kumimoji="1" lang="ja-JP" altLang="en-US" sz="2400" baseline="-25000">
                   <a:latin typeface="Times New Roman" panose="02020603050405020304" pitchFamily="18" charset="0"/>
@@ -10777,7 +10832,7 @@
               <p:spPr>
                 <a:xfrm>
                   <a:off x="3981870" y="4117847"/>
-                  <a:ext cx="254433" cy="299378"/>
+                  <a:ext cx="258127" cy="299378"/>
                 </a:xfrm>
                 <a:prstGeom prst="rect">
                   <a:avLst/>
@@ -10798,7 +10853,7 @@
                     <a:t>D</a:t>
                   </a:r>
                   <a:r>
-                    <a:rPr lang="en-US" altLang="ja-JP" sz="2400" b="1" i="1" baseline="-25000">
+                    <a:rPr lang="en-US" altLang="ja-JP" sz="2400" b="1" baseline="-25000">
                       <a:latin typeface="Times New Roman" panose="02020603050405020304" pitchFamily="18" charset="0"/>
                       <a:cs typeface="Times New Roman" panose="02020603050405020304" pitchFamily="18" charset="0"/>
                     </a:rPr>
@@ -10918,13 +10973,14 @@
                 </p:cNvPr>
                 <p:cNvCxnSpPr>
                   <a:cxnSpLocks/>
+                  <a:stCxn id="100" idx="1"/>
                 </p:cNvCxnSpPr>
                 <p:nvPr/>
               </p:nvCxnSpPr>
               <p:spPr>
                 <a:xfrm flipH="1">
-                  <a:off x="4240930" y="2399924"/>
-                  <a:ext cx="3146" cy="1418462"/>
+                  <a:off x="4240930" y="3208648"/>
+                  <a:ext cx="0" cy="609737"/>
                 </a:xfrm>
                 <a:prstGeom prst="straightConnector1">
                   <a:avLst/>
@@ -10970,7 +11026,7 @@
               <p:spPr>
                 <a:xfrm>
                   <a:off x="3667216" y="3778607"/>
-                  <a:ext cx="373990" cy="343311"/>
+                  <a:ext cx="331935" cy="299378"/>
                 </a:xfrm>
                 <a:prstGeom prst="rect">
                   <a:avLst/>
@@ -10984,11 +11040,18 @@
                 <a:lstStyle/>
                 <a:p>
                   <a:r>
+                    <a:rPr kumimoji="1" lang="en-US" altLang="ja-JP" sz="2400" b="1">
+                      <a:latin typeface="Times New Roman" panose="02020603050405020304" pitchFamily="18" charset="0"/>
+                      <a:cs typeface="Times New Roman" panose="02020603050405020304" pitchFamily="18" charset="0"/>
+                    </a:rPr>
+                    <a:t>min</a:t>
+                  </a:r>
+                  <a:r>
                     <a:rPr kumimoji="1" lang="en-US" altLang="ja-JP" sz="2400" b="1" i="1">
                       <a:latin typeface="Times New Roman" panose="02020603050405020304" pitchFamily="18" charset="0"/>
                       <a:cs typeface="Times New Roman" panose="02020603050405020304" pitchFamily="18" charset="0"/>
                     </a:rPr>
-                    <a:t>min T</a:t>
+                    <a:t> T</a:t>
                   </a:r>
                   <a:r>
                     <a:rPr kumimoji="1" lang="en-US" altLang="ja-JP" sz="2400" b="1" i="1" baseline="-25000">
@@ -11019,7 +11082,7 @@
               <p:spPr>
                 <a:xfrm>
                   <a:off x="4085163" y="3778607"/>
-                  <a:ext cx="393353" cy="343311"/>
+                  <a:ext cx="348820" cy="299378"/>
                 </a:xfrm>
                 <a:prstGeom prst="rect">
                   <a:avLst/>
@@ -11033,11 +11096,18 @@
                 <a:lstStyle/>
                 <a:p>
                   <a:r>
+                    <a:rPr kumimoji="1" lang="en-US" altLang="ja-JP" sz="2400" b="1">
+                      <a:latin typeface="Times New Roman" panose="02020603050405020304" pitchFamily="18" charset="0"/>
+                      <a:cs typeface="Times New Roman" panose="02020603050405020304" pitchFamily="18" charset="0"/>
+                    </a:rPr>
+                    <a:t>max</a:t>
+                  </a:r>
+                  <a:r>
                     <a:rPr kumimoji="1" lang="en-US" altLang="ja-JP" sz="2400" b="1" i="1">
                       <a:latin typeface="Times New Roman" panose="02020603050405020304" pitchFamily="18" charset="0"/>
                       <a:cs typeface="Times New Roman" panose="02020603050405020304" pitchFamily="18" charset="0"/>
                     </a:rPr>
-                    <a:t>max T</a:t>
+                    <a:t> T</a:t>
                   </a:r>
                   <a:r>
                     <a:rPr kumimoji="1" lang="en-US" altLang="ja-JP" sz="2400" b="1" i="1" baseline="-25000">
@@ -11068,8 +11138,8 @@
             </p:nvSpPr>
             <p:spPr>
               <a:xfrm>
-                <a:off x="5752022" y="3604025"/>
-                <a:ext cx="3299931" cy="299378"/>
+                <a:off x="6174644" y="3694653"/>
+                <a:ext cx="2856457" cy="299378"/>
               </a:xfrm>
               <a:prstGeom prst="rect">
                 <a:avLst/>
@@ -11082,13 +11152,6 @@
               </a:bodyPr>
               <a:lstStyle/>
               <a:p>
-                <a:r>
-                  <a:rPr kumimoji="1" lang="en-US" altLang="ja-JP" sz="2400" b="1" i="1">
-                    <a:latin typeface="Times New Roman" panose="02020603050405020304" pitchFamily="18" charset="0"/>
-                    <a:cs typeface="Times New Roman" panose="02020603050405020304" pitchFamily="18" charset="0"/>
-                  </a:rPr>
-                  <a:t>(1)   </a:t>
-                </a:r>
                 <a:r>
                   <a:rPr kumimoji="1" lang="en-US" altLang="ja-JP" sz="2400" b="1">
                     <a:latin typeface="Times New Roman" panose="02020603050405020304" pitchFamily="18" charset="0"/>
@@ -11168,7 +11231,7 @@
                   <a:t>+ D</a:t>
                 </a:r>
                 <a:r>
-                  <a:rPr lang="en-US" altLang="ja-JP" sz="2400" b="1" i="1" baseline="-25000">
+                  <a:rPr lang="en-US" altLang="ja-JP" sz="2400" b="1" baseline="-25000">
                     <a:latin typeface="Times New Roman" panose="02020603050405020304" pitchFamily="18" charset="0"/>
                     <a:cs typeface="Times New Roman" panose="02020603050405020304" pitchFamily="18" charset="0"/>
                   </a:rPr>
@@ -11195,8 +11258,8 @@
             </p:nvSpPr>
             <p:spPr>
               <a:xfrm>
-                <a:off x="5795709" y="3321091"/>
-                <a:ext cx="2760815" cy="299378"/>
+                <a:off x="5795707" y="3321091"/>
+                <a:ext cx="4168277" cy="299378"/>
               </a:xfrm>
               <a:prstGeom prst="rect">
                 <a:avLst/>
@@ -11218,7 +11281,7 @@
                     <a:latin typeface="Times New Roman" panose="02020603050405020304" pitchFamily="18" charset="0"/>
                     <a:cs typeface="Times New Roman" panose="02020603050405020304" pitchFamily="18" charset="0"/>
                   </a:rPr>
-                  <a:t>Core</a:t>
+                  <a:t>(1) Core</a:t>
                 </a:r>
                 <a:r>
                   <a:rPr kumimoji="1" lang="en-US" altLang="ja-JP" sz="2400" b="1" i="1" baseline="-25000">
@@ -11232,7 +11295,7 @@
                     <a:latin typeface="Times New Roman" panose="02020603050405020304" pitchFamily="18" charset="0"/>
                     <a:cs typeface="Times New Roman" panose="02020603050405020304" pitchFamily="18" charset="0"/>
                   </a:rPr>
-                  <a:t> lives in this timezone.</a:t>
+                  <a:t>exists in this time difference.</a:t>
                 </a:r>
                 <a:endParaRPr kumimoji="1" lang="ja-JP" altLang="en-US" sz="2400" baseline="-25000">
                   <a:latin typeface="Times New Roman" panose="02020603050405020304" pitchFamily="18" charset="0"/>
@@ -11259,7 +11322,7 @@
             </p:nvCxnSpPr>
             <p:spPr>
               <a:xfrm>
-                <a:off x="5795709" y="3470780"/>
+                <a:off x="5795707" y="3470780"/>
                 <a:ext cx="0" cy="0"/>
               </a:xfrm>
               <a:prstGeom prst="line">
@@ -11299,8 +11362,8 @@
             </p:nvCxnSpPr>
             <p:spPr>
               <a:xfrm flipH="1" flipV="1">
-                <a:off x="5550042" y="3466549"/>
-                <a:ext cx="245667" cy="4231"/>
+                <a:off x="5579174" y="3466549"/>
+                <a:ext cx="216533" cy="4231"/>
               </a:xfrm>
               <a:prstGeom prst="line">
                 <a:avLst/>
@@ -11342,8 +11405,8 @@
             </p:nvSpPr>
             <p:spPr>
               <a:xfrm>
-                <a:off x="5715472" y="4818103"/>
-                <a:ext cx="3132134" cy="299378"/>
+                <a:off x="6155164" y="4862035"/>
+                <a:ext cx="2862194" cy="299378"/>
               </a:xfrm>
               <a:prstGeom prst="rect">
                 <a:avLst/>
@@ -11361,7 +11424,7 @@
                     <a:latin typeface="Times New Roman" panose="02020603050405020304" pitchFamily="18" charset="0"/>
                     <a:cs typeface="Times New Roman" panose="02020603050405020304" pitchFamily="18" charset="0"/>
                   </a:rPr>
-                  <a:t>(2)    |T</a:t>
+                  <a:t>|T</a:t>
                 </a:r>
                 <a:r>
                   <a:rPr kumimoji="1" lang="en-US" altLang="ja-JP" sz="2400" b="1" i="1" baseline="-25000">
@@ -11403,11 +11466,18 @@
                   <a:t>D</a:t>
                 </a:r>
                 <a:r>
+                  <a:rPr lang="en-US" altLang="ja-JP" sz="2400" b="1" baseline="-25000">
+                    <a:latin typeface="Times New Roman" panose="02020603050405020304" pitchFamily="18" charset="0"/>
+                    <a:cs typeface="Times New Roman" panose="02020603050405020304" pitchFamily="18" charset="0"/>
+                  </a:rPr>
+                  <a:t>max</a:t>
+                </a:r>
+                <a:r>
                   <a:rPr lang="en-US" altLang="ja-JP" sz="2400" b="1" i="1" baseline="-25000">
                     <a:latin typeface="Times New Roman" panose="02020603050405020304" pitchFamily="18" charset="0"/>
                     <a:cs typeface="Times New Roman" panose="02020603050405020304" pitchFamily="18" charset="0"/>
                   </a:rPr>
-                  <a:t>max      </a:t>
+                  <a:t>            </a:t>
                 </a:r>
                 <a:r>
                   <a:rPr lang="en-US" altLang="ja-JP" sz="2400" b="1" i="1">
@@ -11451,20 +11521,19 @@
             </p:nvSpPr>
             <p:spPr>
               <a:xfrm>
-                <a:off x="5741575" y="4463348"/>
-                <a:ext cx="4168286" cy="299378"/>
+                <a:off x="5795719" y="4414289"/>
+                <a:ext cx="4168277" cy="299378"/>
               </a:xfrm>
               <a:prstGeom prst="rect">
                 <a:avLst/>
               </a:prstGeom>
-              <a:noFill/>
+              <a:solidFill>
+                <a:schemeClr val="bg1">
+                  <a:lumMod val="85000"/>
+                </a:schemeClr>
+              </a:solidFill>
               <a:ln>
-                <a:solidFill>
-                  <a:schemeClr val="tx1">
-                    <a:lumMod val="50000"/>
-                    <a:lumOff val="50000"/>
-                  </a:schemeClr>
-                </a:solidFill>
+                <a:noFill/>
                 <a:prstDash val="dash"/>
               </a:ln>
             </p:spPr>
@@ -11475,25 +11544,25 @@
               <a:lstStyle/>
               <a:p>
                 <a:r>
-                  <a:rPr lang="en-US" altLang="ja-JP" sz="2400" b="1" i="1">
-                    <a:latin typeface="Times New Roman" panose="02020603050405020304" pitchFamily="18" charset="0"/>
-                    <a:cs typeface="Times New Roman" panose="02020603050405020304" pitchFamily="18" charset="0"/>
-                  </a:rPr>
-                  <a:t>All </a:t>
-                </a:r>
-                <a:r>
                   <a:rPr kumimoji="1" lang="en-US" altLang="ja-JP" sz="2400" b="1" i="1">
                     <a:latin typeface="Times New Roman" panose="02020603050405020304" pitchFamily="18" charset="0"/>
                     <a:cs typeface="Times New Roman" panose="02020603050405020304" pitchFamily="18" charset="0"/>
                   </a:rPr>
-                  <a:t>Assets live within d</a:t>
+                  <a:t>(2) Assets exist within D</a:t>
+                </a:r>
+                <a:r>
+                  <a:rPr lang="en-US" altLang="ja-JP" sz="2400" b="1" baseline="-25000">
+                    <a:latin typeface="Times New Roman" panose="02020603050405020304" pitchFamily="18" charset="0"/>
+                    <a:cs typeface="Times New Roman" panose="02020603050405020304" pitchFamily="18" charset="0"/>
+                  </a:rPr>
+                  <a:t>max</a:t>
                 </a:r>
                 <a:r>
                   <a:rPr lang="en-US" altLang="ja-JP" sz="2400" b="1" i="1" baseline="-25000">
                     <a:latin typeface="Times New Roman" panose="02020603050405020304" pitchFamily="18" charset="0"/>
                     <a:cs typeface="Times New Roman" panose="02020603050405020304" pitchFamily="18" charset="0"/>
                   </a:rPr>
-                  <a:t>max </a:t>
+                  <a:t> </a:t>
                 </a:r>
                 <a:r>
                   <a:rPr lang="en-US" altLang="ja-JP" sz="2400" b="1" i="1">
@@ -11506,59 +11575,6 @@
                   <a:latin typeface="Times New Roman" panose="02020603050405020304" pitchFamily="18" charset="0"/>
                   <a:cs typeface="Times New Roman" panose="02020603050405020304" pitchFamily="18" charset="0"/>
                 </a:endParaRPr>
-              </a:p>
-            </p:txBody>
-          </p:sp>
-          <p:sp>
-            <p:nvSpPr>
-              <p:cNvPr id="64" name="正方形/長方形 63">
-                <a:extLst>
-                  <a:ext uri="{FF2B5EF4-FFF2-40B4-BE49-F238E27FC236}">
-                    <a16:creationId xmlns:a16="http://schemas.microsoft.com/office/drawing/2014/main" id="{3F8E8A93-3F33-EF25-0A6E-039462A788C0}"/>
-                  </a:ext>
-                </a:extLst>
-              </p:cNvPr>
-              <p:cNvSpPr/>
-              <p:nvPr/>
-            </p:nvSpPr>
-            <p:spPr>
-              <a:xfrm>
-                <a:off x="3924944" y="2335894"/>
-                <a:ext cx="1648967" cy="2318044"/>
-              </a:xfrm>
-              <a:prstGeom prst="rect">
-                <a:avLst/>
-              </a:prstGeom>
-              <a:noFill/>
-              <a:ln>
-                <a:solidFill>
-                  <a:schemeClr val="tx1"/>
-                </a:solidFill>
-                <a:prstDash val="dash"/>
-                <a:headEnd type="none"/>
-                <a:tailEnd type="none"/>
-              </a:ln>
-            </p:spPr>
-            <p:style>
-              <a:lnRef idx="1">
-                <a:schemeClr val="accent1"/>
-              </a:lnRef>
-              <a:fillRef idx="0">
-                <a:schemeClr val="accent1"/>
-              </a:fillRef>
-              <a:effectRef idx="0">
-                <a:schemeClr val="accent1"/>
-              </a:effectRef>
-              <a:fontRef idx="minor">
-                <a:schemeClr val="tx1"/>
-              </a:fontRef>
-            </p:style>
-            <p:txBody>
-              <a:bodyPr rtlCol="0" anchor="ctr"/>
-              <a:lstStyle/>
-              <a:p>
-                <a:pPr algn="ctr"/>
-                <a:endParaRPr kumimoji="1" lang="ja-JP" altLang="en-US" sz="2400"/>
               </a:p>
             </p:txBody>
           </p:sp>
@@ -11578,9 +11594,9 @@
               <p:nvPr/>
             </p:nvCxnSpPr>
             <p:spPr>
-              <a:xfrm flipH="1" flipV="1">
-                <a:off x="5579175" y="4601070"/>
-                <a:ext cx="162400" cy="11967"/>
+              <a:xfrm flipH="1">
+                <a:off x="5566648" y="4563978"/>
+                <a:ext cx="229071" cy="0"/>
               </a:xfrm>
               <a:prstGeom prst="line">
                 <a:avLst/>
@@ -11608,6 +11624,52 @@
               </a:fontRef>
             </p:style>
           </p:cxnSp>
+          <p:sp>
+            <p:nvSpPr>
+              <p:cNvPr id="10" name="テキスト ボックス 9">
+                <a:extLst>
+                  <a:ext uri="{FF2B5EF4-FFF2-40B4-BE49-F238E27FC236}">
+                    <a16:creationId xmlns:a16="http://schemas.microsoft.com/office/drawing/2014/main" id="{DBCDD710-0375-2E7C-B95E-FB76CD27B138}"/>
+                  </a:ext>
+                </a:extLst>
+              </p:cNvPr>
+              <p:cNvSpPr txBox="1"/>
+              <p:nvPr/>
+            </p:nvSpPr>
+            <p:spPr>
+              <a:xfrm>
+                <a:off x="5756671" y="2749962"/>
+                <a:ext cx="4207328" cy="299378"/>
+              </a:xfrm>
+              <a:prstGeom prst="rect">
+                <a:avLst/>
+              </a:prstGeom>
+              <a:noFill/>
+              <a:ln>
+                <a:noFill/>
+                <a:prstDash val="dash"/>
+              </a:ln>
+            </p:spPr>
+            <p:txBody>
+              <a:bodyPr wrap="square" rtlCol="0">
+                <a:spAutoFit/>
+              </a:bodyPr>
+              <a:lstStyle/>
+              <a:p>
+                <a:r>
+                  <a:rPr kumimoji="1" lang="en-US" altLang="ja-JP" sz="2400" b="1" i="1">
+                    <a:latin typeface="Times New Roman" panose="02020603050405020304" pitchFamily="18" charset="0"/>
+                    <a:cs typeface="Times New Roman" panose="02020603050405020304" pitchFamily="18" charset="0"/>
+                  </a:rPr>
+                  <a:t>At any point of wall time, (1) and (2) hold.</a:t>
+                </a:r>
+                <a:endParaRPr kumimoji="1" lang="ja-JP" altLang="en-US" sz="2400">
+                  <a:latin typeface="Times New Roman" panose="02020603050405020304" pitchFamily="18" charset="0"/>
+                  <a:cs typeface="Times New Roman" panose="02020603050405020304" pitchFamily="18" charset="0"/>
+                </a:endParaRPr>
+              </a:p>
+            </p:txBody>
+          </p:sp>
         </p:grpSp>
         <p:cxnSp>
           <p:nvCxnSpPr>
